--- a/draw.pptx
+++ b/draw.pptx
@@ -7,6 +7,22 @@
   <p:sldIdLst>
     <p:sldId id="256" r:id="rId2"/>
     <p:sldId id="257" r:id="rId3"/>
+    <p:sldId id="268" r:id="rId4"/>
+    <p:sldId id="269" r:id="rId5"/>
+    <p:sldId id="277" r:id="rId6"/>
+    <p:sldId id="270" r:id="rId7"/>
+    <p:sldId id="276" r:id="rId8"/>
+    <p:sldId id="278" r:id="rId9"/>
+    <p:sldId id="271" r:id="rId10"/>
+    <p:sldId id="279" r:id="rId11"/>
+    <p:sldId id="274" r:id="rId12"/>
+    <p:sldId id="273" r:id="rId13"/>
+    <p:sldId id="281" r:id="rId14"/>
+    <p:sldId id="266" r:id="rId15"/>
+    <p:sldId id="283" r:id="rId16"/>
+    <p:sldId id="275" r:id="rId17"/>
+    <p:sldId id="282" r:id="rId18"/>
+    <p:sldId id="284" r:id="rId19"/>
   </p:sldIdLst>
   <p:sldSz cx="12192000" cy="6858000"/>
   <p:notesSz cx="6858000" cy="9144000"/>
@@ -4919,7 +4935,7 @@
           <a:p>
             <a:fld id="{02865670-ABE7-4E74-A42A-0ADC8528A28A}" type="datetimeFigureOut">
               <a:rPr lang="zh-TW" altLang="en-US" smtClean="0"/>
-              <a:t>2022/6/15</a:t>
+              <a:t>2022/6/17</a:t>
             </a:fld>
             <a:endParaRPr lang="zh-TW" altLang="en-US"/>
           </a:p>
@@ -5117,7 +5133,7 @@
           <a:p>
             <a:fld id="{02865670-ABE7-4E74-A42A-0ADC8528A28A}" type="datetimeFigureOut">
               <a:rPr lang="zh-TW" altLang="en-US" smtClean="0"/>
-              <a:t>2022/6/15</a:t>
+              <a:t>2022/6/17</a:t>
             </a:fld>
             <a:endParaRPr lang="zh-TW" altLang="en-US"/>
           </a:p>
@@ -5325,7 +5341,7 @@
           <a:p>
             <a:fld id="{02865670-ABE7-4E74-A42A-0ADC8528A28A}" type="datetimeFigureOut">
               <a:rPr lang="zh-TW" altLang="en-US" smtClean="0"/>
-              <a:t>2022/6/15</a:t>
+              <a:t>2022/6/17</a:t>
             </a:fld>
             <a:endParaRPr lang="zh-TW" altLang="en-US"/>
           </a:p>
@@ -5523,7 +5539,7 @@
           <a:p>
             <a:fld id="{02865670-ABE7-4E74-A42A-0ADC8528A28A}" type="datetimeFigureOut">
               <a:rPr lang="zh-TW" altLang="en-US" smtClean="0"/>
-              <a:t>2022/6/15</a:t>
+              <a:t>2022/6/17</a:t>
             </a:fld>
             <a:endParaRPr lang="zh-TW" altLang="en-US"/>
           </a:p>
@@ -5798,7 +5814,7 @@
           <a:p>
             <a:fld id="{02865670-ABE7-4E74-A42A-0ADC8528A28A}" type="datetimeFigureOut">
               <a:rPr lang="zh-TW" altLang="en-US" smtClean="0"/>
-              <a:t>2022/6/15</a:t>
+              <a:t>2022/6/17</a:t>
             </a:fld>
             <a:endParaRPr lang="zh-TW" altLang="en-US"/>
           </a:p>
@@ -6063,7 +6079,7 @@
           <a:p>
             <a:fld id="{02865670-ABE7-4E74-A42A-0ADC8528A28A}" type="datetimeFigureOut">
               <a:rPr lang="zh-TW" altLang="en-US" smtClean="0"/>
-              <a:t>2022/6/15</a:t>
+              <a:t>2022/6/17</a:t>
             </a:fld>
             <a:endParaRPr lang="zh-TW" altLang="en-US"/>
           </a:p>
@@ -6475,7 +6491,7 @@
           <a:p>
             <a:fld id="{02865670-ABE7-4E74-A42A-0ADC8528A28A}" type="datetimeFigureOut">
               <a:rPr lang="zh-TW" altLang="en-US" smtClean="0"/>
-              <a:t>2022/6/15</a:t>
+              <a:t>2022/6/17</a:t>
             </a:fld>
             <a:endParaRPr lang="zh-TW" altLang="en-US"/>
           </a:p>
@@ -6616,7 +6632,7 @@
           <a:p>
             <a:fld id="{02865670-ABE7-4E74-A42A-0ADC8528A28A}" type="datetimeFigureOut">
               <a:rPr lang="zh-TW" altLang="en-US" smtClean="0"/>
-              <a:t>2022/6/15</a:t>
+              <a:t>2022/6/17</a:t>
             </a:fld>
             <a:endParaRPr lang="zh-TW" altLang="en-US"/>
           </a:p>
@@ -6729,7 +6745,7 @@
           <a:p>
             <a:fld id="{02865670-ABE7-4E74-A42A-0ADC8528A28A}" type="datetimeFigureOut">
               <a:rPr lang="zh-TW" altLang="en-US" smtClean="0"/>
-              <a:t>2022/6/15</a:t>
+              <a:t>2022/6/17</a:t>
             </a:fld>
             <a:endParaRPr lang="zh-TW" altLang="en-US"/>
           </a:p>
@@ -7040,7 +7056,7 @@
           <a:p>
             <a:fld id="{02865670-ABE7-4E74-A42A-0ADC8528A28A}" type="datetimeFigureOut">
               <a:rPr lang="zh-TW" altLang="en-US" smtClean="0"/>
-              <a:t>2022/6/15</a:t>
+              <a:t>2022/6/17</a:t>
             </a:fld>
             <a:endParaRPr lang="zh-TW" altLang="en-US"/>
           </a:p>
@@ -7328,7 +7344,7 @@
           <a:p>
             <a:fld id="{02865670-ABE7-4E74-A42A-0ADC8528A28A}" type="datetimeFigureOut">
               <a:rPr lang="zh-TW" altLang="en-US" smtClean="0"/>
-              <a:t>2022/6/15</a:t>
+              <a:t>2022/6/17</a:t>
             </a:fld>
             <a:endParaRPr lang="zh-TW" altLang="en-US"/>
           </a:p>
@@ -7569,7 +7585,7 @@
           <a:p>
             <a:fld id="{02865670-ABE7-4E74-A42A-0ADC8528A28A}" type="datetimeFigureOut">
               <a:rPr lang="zh-TW" altLang="en-US" smtClean="0"/>
-              <a:t>2022/6/15</a:t>
+              <a:t>2022/6/17</a:t>
             </a:fld>
             <a:endParaRPr lang="zh-TW" altLang="en-US"/>
           </a:p>
@@ -8029,6 +8045,636 @@
 </p:sld>
 </file>
 
+<file path=ppt/slides/slide10.xml><?xml version="1.0" encoding="utf-8"?>
+<p:sld xmlns:a="http://schemas.openxmlformats.org/drawingml/2006/main" xmlns:r="http://schemas.openxmlformats.org/officeDocument/2006/relationships" xmlns:p="http://schemas.openxmlformats.org/presentationml/2006/main">
+  <p:cSld>
+    <p:spTree>
+      <p:nvGrpSpPr>
+        <p:cNvPr id="1" name=""/>
+        <p:cNvGrpSpPr/>
+        <p:nvPr/>
+      </p:nvGrpSpPr>
+      <p:grpSpPr>
+        <a:xfrm>
+          <a:off x="0" y="0"/>
+          <a:ext cx="0" cy="0"/>
+          <a:chOff x="0" y="0"/>
+          <a:chExt cx="0" cy="0"/>
+        </a:xfrm>
+      </p:grpSpPr>
+      <p:pic>
+        <p:nvPicPr>
+          <p:cNvPr id="9" name="圖片 8">
+            <a:extLst>
+              <a:ext uri="{FF2B5EF4-FFF2-40B4-BE49-F238E27FC236}">
+                <a16:creationId xmlns:a16="http://schemas.microsoft.com/office/drawing/2014/main" id="{DCC9F745-4270-4797-BCA2-5E44220231EB}"/>
+              </a:ext>
+            </a:extLst>
+          </p:cNvPr>
+          <p:cNvPicPr>
+            <a:picLocks noChangeAspect="1"/>
+          </p:cNvPicPr>
+          <p:nvPr/>
+        </p:nvPicPr>
+        <p:blipFill>
+          <a:blip r:embed="rId2"/>
+          <a:stretch>
+            <a:fillRect/>
+          </a:stretch>
+        </p:blipFill>
+        <p:spPr>
+          <a:xfrm>
+            <a:off x="1555750" y="0"/>
+            <a:ext cx="9080500" cy="2146300"/>
+          </a:xfrm>
+          <a:prstGeom prst="rect">
+            <a:avLst/>
+          </a:prstGeom>
+        </p:spPr>
+      </p:pic>
+      <p:pic>
+        <p:nvPicPr>
+          <p:cNvPr id="10" name="圖片 9">
+            <a:extLst>
+              <a:ext uri="{FF2B5EF4-FFF2-40B4-BE49-F238E27FC236}">
+                <a16:creationId xmlns:a16="http://schemas.microsoft.com/office/drawing/2014/main" id="{521F89B2-FF00-48F4-82E4-9191AE940223}"/>
+              </a:ext>
+            </a:extLst>
+          </p:cNvPr>
+          <p:cNvPicPr>
+            <a:picLocks noChangeAspect="1"/>
+          </p:cNvPicPr>
+          <p:nvPr/>
+        </p:nvPicPr>
+        <p:blipFill>
+          <a:blip r:embed="rId3"/>
+          <a:stretch>
+            <a:fillRect/>
+          </a:stretch>
+        </p:blipFill>
+        <p:spPr>
+          <a:xfrm>
+            <a:off x="1355725" y="2197968"/>
+            <a:ext cx="9480550" cy="2146300"/>
+          </a:xfrm>
+          <a:prstGeom prst="rect">
+            <a:avLst/>
+          </a:prstGeom>
+        </p:spPr>
+      </p:pic>
+      <p:pic>
+        <p:nvPicPr>
+          <p:cNvPr id="11" name="圖片 10">
+            <a:extLst>
+              <a:ext uri="{FF2B5EF4-FFF2-40B4-BE49-F238E27FC236}">
+                <a16:creationId xmlns:a16="http://schemas.microsoft.com/office/drawing/2014/main" id="{181F8820-07FE-4F1E-ABFF-423E6066BCA9}"/>
+              </a:ext>
+            </a:extLst>
+          </p:cNvPr>
+          <p:cNvPicPr>
+            <a:picLocks noChangeAspect="1"/>
+          </p:cNvPicPr>
+          <p:nvPr/>
+        </p:nvPicPr>
+        <p:blipFill>
+          <a:blip r:embed="rId4"/>
+          <a:stretch>
+            <a:fillRect/>
+          </a:stretch>
+        </p:blipFill>
+        <p:spPr>
+          <a:xfrm>
+            <a:off x="1381125" y="4467522"/>
+            <a:ext cx="9429750" cy="2146300"/>
+          </a:xfrm>
+          <a:prstGeom prst="rect">
+            <a:avLst/>
+          </a:prstGeom>
+        </p:spPr>
+      </p:pic>
+    </p:spTree>
+    <p:extLst>
+      <p:ext uri="{BB962C8B-B14F-4D97-AF65-F5344CB8AC3E}">
+        <p14:creationId xmlns:p14="http://schemas.microsoft.com/office/powerpoint/2010/main" val="1245105230"/>
+      </p:ext>
+    </p:extLst>
+  </p:cSld>
+  <p:clrMapOvr>
+    <a:masterClrMapping/>
+  </p:clrMapOvr>
+</p:sld>
+</file>
+
+<file path=ppt/slides/slide11.xml><?xml version="1.0" encoding="utf-8"?>
+<p:sld xmlns:a="http://schemas.openxmlformats.org/drawingml/2006/main" xmlns:r="http://schemas.openxmlformats.org/officeDocument/2006/relationships" xmlns:p="http://schemas.openxmlformats.org/presentationml/2006/main">
+  <p:cSld>
+    <p:spTree>
+      <p:nvGrpSpPr>
+        <p:cNvPr id="1" name=""/>
+        <p:cNvGrpSpPr/>
+        <p:nvPr/>
+      </p:nvGrpSpPr>
+      <p:grpSpPr>
+        <a:xfrm>
+          <a:off x="0" y="0"/>
+          <a:ext cx="0" cy="0"/>
+          <a:chOff x="0" y="0"/>
+          <a:chExt cx="0" cy="0"/>
+        </a:xfrm>
+      </p:grpSpPr>
+      <p:pic>
+        <p:nvPicPr>
+          <p:cNvPr id="8" name="圖片 7">
+            <a:extLst>
+              <a:ext uri="{FF2B5EF4-FFF2-40B4-BE49-F238E27FC236}">
+                <a16:creationId xmlns:a16="http://schemas.microsoft.com/office/drawing/2014/main" id="{B0EE799B-C35C-4B11-A265-2C102C851C3D}"/>
+              </a:ext>
+            </a:extLst>
+          </p:cNvPr>
+          <p:cNvPicPr>
+            <a:picLocks noChangeAspect="1"/>
+          </p:cNvPicPr>
+          <p:nvPr/>
+        </p:nvPicPr>
+        <p:blipFill>
+          <a:blip r:embed="rId2"/>
+          <a:stretch>
+            <a:fillRect/>
+          </a:stretch>
+        </p:blipFill>
+        <p:spPr>
+          <a:xfrm>
+            <a:off x="2870200" y="324809"/>
+            <a:ext cx="6451600" cy="2971800"/>
+          </a:xfrm>
+          <a:prstGeom prst="rect">
+            <a:avLst/>
+          </a:prstGeom>
+        </p:spPr>
+      </p:pic>
+      <p:pic>
+        <p:nvPicPr>
+          <p:cNvPr id="3" name="圖片 2">
+            <a:extLst>
+              <a:ext uri="{FF2B5EF4-FFF2-40B4-BE49-F238E27FC236}">
+                <a16:creationId xmlns:a16="http://schemas.microsoft.com/office/drawing/2014/main" id="{F0699105-44A6-42FA-B337-78DE3BE756D3}"/>
+              </a:ext>
+            </a:extLst>
+          </p:cNvPr>
+          <p:cNvPicPr>
+            <a:picLocks noChangeAspect="1"/>
+          </p:cNvPicPr>
+          <p:nvPr/>
+        </p:nvPicPr>
+        <p:blipFill>
+          <a:blip r:embed="rId3"/>
+          <a:stretch>
+            <a:fillRect/>
+          </a:stretch>
+        </p:blipFill>
+        <p:spPr>
+          <a:xfrm>
+            <a:off x="2126884" y="3561392"/>
+            <a:ext cx="8648700" cy="3251200"/>
+          </a:xfrm>
+          <a:prstGeom prst="rect">
+            <a:avLst/>
+          </a:prstGeom>
+        </p:spPr>
+      </p:pic>
+    </p:spTree>
+    <p:extLst>
+      <p:ext uri="{BB962C8B-B14F-4D97-AF65-F5344CB8AC3E}">
+        <p14:creationId xmlns:p14="http://schemas.microsoft.com/office/powerpoint/2010/main" val="1825739312"/>
+      </p:ext>
+    </p:extLst>
+  </p:cSld>
+  <p:clrMapOvr>
+    <a:masterClrMapping/>
+  </p:clrMapOvr>
+</p:sld>
+</file>
+
+<file path=ppt/slides/slide12.xml><?xml version="1.0" encoding="utf-8"?>
+<p:sld xmlns:a="http://schemas.openxmlformats.org/drawingml/2006/main" xmlns:r="http://schemas.openxmlformats.org/officeDocument/2006/relationships" xmlns:p="http://schemas.openxmlformats.org/presentationml/2006/main">
+  <p:cSld>
+    <p:spTree>
+      <p:nvGrpSpPr>
+        <p:cNvPr id="1" name=""/>
+        <p:cNvGrpSpPr/>
+        <p:nvPr/>
+      </p:nvGrpSpPr>
+      <p:grpSpPr>
+        <a:xfrm>
+          <a:off x="0" y="0"/>
+          <a:ext cx="0" cy="0"/>
+          <a:chOff x="0" y="0"/>
+          <a:chExt cx="0" cy="0"/>
+        </a:xfrm>
+      </p:grpSpPr>
+      <p:pic>
+        <p:nvPicPr>
+          <p:cNvPr id="5" name="圖片 4">
+            <a:extLst>
+              <a:ext uri="{FF2B5EF4-FFF2-40B4-BE49-F238E27FC236}">
+                <a16:creationId xmlns:a16="http://schemas.microsoft.com/office/drawing/2014/main" id="{1343750C-1618-434D-9A2A-41A5379AF6E4}"/>
+              </a:ext>
+            </a:extLst>
+          </p:cNvPr>
+          <p:cNvPicPr>
+            <a:picLocks noChangeAspect="1"/>
+          </p:cNvPicPr>
+          <p:nvPr/>
+        </p:nvPicPr>
+        <p:blipFill>
+          <a:blip r:embed="rId2"/>
+          <a:stretch>
+            <a:fillRect/>
+          </a:stretch>
+        </p:blipFill>
+        <p:spPr>
+          <a:xfrm>
+            <a:off x="1978025" y="224270"/>
+            <a:ext cx="8235950" cy="2419350"/>
+          </a:xfrm>
+          <a:prstGeom prst="rect">
+            <a:avLst/>
+          </a:prstGeom>
+        </p:spPr>
+      </p:pic>
+    </p:spTree>
+    <p:extLst>
+      <p:ext uri="{BB962C8B-B14F-4D97-AF65-F5344CB8AC3E}">
+        <p14:creationId xmlns:p14="http://schemas.microsoft.com/office/powerpoint/2010/main" val="2034318233"/>
+      </p:ext>
+    </p:extLst>
+  </p:cSld>
+  <p:clrMapOvr>
+    <a:masterClrMapping/>
+  </p:clrMapOvr>
+</p:sld>
+</file>
+
+<file path=ppt/slides/slide13.xml><?xml version="1.0" encoding="utf-8"?>
+<p:sld xmlns:a="http://schemas.openxmlformats.org/drawingml/2006/main" xmlns:r="http://schemas.openxmlformats.org/officeDocument/2006/relationships" xmlns:p="http://schemas.openxmlformats.org/presentationml/2006/main">
+  <p:cSld>
+    <p:spTree>
+      <p:nvGrpSpPr>
+        <p:cNvPr id="1" name=""/>
+        <p:cNvGrpSpPr/>
+        <p:nvPr/>
+      </p:nvGrpSpPr>
+      <p:grpSpPr>
+        <a:xfrm>
+          <a:off x="0" y="0"/>
+          <a:ext cx="0" cy="0"/>
+          <a:chOff x="0" y="0"/>
+          <a:chExt cx="0" cy="0"/>
+        </a:xfrm>
+      </p:grpSpPr>
+      <p:pic>
+        <p:nvPicPr>
+          <p:cNvPr id="2" name="圖片 1">
+            <a:extLst>
+              <a:ext uri="{FF2B5EF4-FFF2-40B4-BE49-F238E27FC236}">
+                <a16:creationId xmlns:a16="http://schemas.microsoft.com/office/drawing/2014/main" id="{A090FF96-251A-4939-9480-D5F6D9858191}"/>
+              </a:ext>
+            </a:extLst>
+          </p:cNvPr>
+          <p:cNvPicPr>
+            <a:picLocks noChangeAspect="1"/>
+          </p:cNvPicPr>
+          <p:nvPr/>
+        </p:nvPicPr>
+        <p:blipFill>
+          <a:blip r:embed="rId2"/>
+          <a:stretch>
+            <a:fillRect/>
+          </a:stretch>
+        </p:blipFill>
+        <p:spPr>
+          <a:xfrm>
+            <a:off x="850" y="2099829"/>
+            <a:ext cx="12190300" cy="2658342"/>
+          </a:xfrm>
+          <a:prstGeom prst="rect">
+            <a:avLst/>
+          </a:prstGeom>
+        </p:spPr>
+      </p:pic>
+    </p:spTree>
+    <p:extLst>
+      <p:ext uri="{BB962C8B-B14F-4D97-AF65-F5344CB8AC3E}">
+        <p14:creationId xmlns:p14="http://schemas.microsoft.com/office/powerpoint/2010/main" val="2282740948"/>
+      </p:ext>
+    </p:extLst>
+  </p:cSld>
+  <p:clrMapOvr>
+    <a:masterClrMapping/>
+  </p:clrMapOvr>
+</p:sld>
+</file>
+
+<file path=ppt/slides/slide14.xml><?xml version="1.0" encoding="utf-8"?>
+<p:sld xmlns:a="http://schemas.openxmlformats.org/drawingml/2006/main" xmlns:r="http://schemas.openxmlformats.org/officeDocument/2006/relationships" xmlns:p="http://schemas.openxmlformats.org/presentationml/2006/main">
+  <p:cSld>
+    <p:spTree>
+      <p:nvGrpSpPr>
+        <p:cNvPr id="1" name=""/>
+        <p:cNvGrpSpPr/>
+        <p:nvPr/>
+      </p:nvGrpSpPr>
+      <p:grpSpPr>
+        <a:xfrm>
+          <a:off x="0" y="0"/>
+          <a:ext cx="0" cy="0"/>
+          <a:chOff x="0" y="0"/>
+          <a:chExt cx="0" cy="0"/>
+        </a:xfrm>
+      </p:grpSpPr>
+      <p:pic>
+        <p:nvPicPr>
+          <p:cNvPr id="3" name="圖片 2">
+            <a:extLst>
+              <a:ext uri="{FF2B5EF4-FFF2-40B4-BE49-F238E27FC236}">
+                <a16:creationId xmlns:a16="http://schemas.microsoft.com/office/drawing/2014/main" id="{29111693-234B-4733-B71A-3353CB8135D7}"/>
+              </a:ext>
+            </a:extLst>
+          </p:cNvPr>
+          <p:cNvPicPr>
+            <a:picLocks noChangeAspect="1"/>
+          </p:cNvPicPr>
+          <p:nvPr/>
+        </p:nvPicPr>
+        <p:blipFill>
+          <a:blip r:embed="rId2"/>
+          <a:stretch>
+            <a:fillRect/>
+          </a:stretch>
+        </p:blipFill>
+        <p:spPr>
+          <a:xfrm>
+            <a:off x="4888379" y="2973132"/>
+            <a:ext cx="2603500" cy="1193800"/>
+          </a:xfrm>
+          <a:prstGeom prst="rect">
+            <a:avLst/>
+          </a:prstGeom>
+        </p:spPr>
+      </p:pic>
+    </p:spTree>
+    <p:extLst>
+      <p:ext uri="{BB962C8B-B14F-4D97-AF65-F5344CB8AC3E}">
+        <p14:creationId xmlns:p14="http://schemas.microsoft.com/office/powerpoint/2010/main" val="1546374150"/>
+      </p:ext>
+    </p:extLst>
+  </p:cSld>
+  <p:clrMapOvr>
+    <a:masterClrMapping/>
+  </p:clrMapOvr>
+</p:sld>
+</file>
+
+<file path=ppt/slides/slide15.xml><?xml version="1.0" encoding="utf-8"?>
+<p:sld xmlns:a="http://schemas.openxmlformats.org/drawingml/2006/main" xmlns:r="http://schemas.openxmlformats.org/officeDocument/2006/relationships" xmlns:p="http://schemas.openxmlformats.org/presentationml/2006/main">
+  <p:cSld>
+    <p:spTree>
+      <p:nvGrpSpPr>
+        <p:cNvPr id="1" name=""/>
+        <p:cNvGrpSpPr/>
+        <p:nvPr/>
+      </p:nvGrpSpPr>
+      <p:grpSpPr>
+        <a:xfrm>
+          <a:off x="0" y="0"/>
+          <a:ext cx="0" cy="0"/>
+          <a:chOff x="0" y="0"/>
+          <a:chExt cx="0" cy="0"/>
+        </a:xfrm>
+      </p:grpSpPr>
+      <p:pic>
+        <p:nvPicPr>
+          <p:cNvPr id="3" name="圖片 2">
+            <a:extLst>
+              <a:ext uri="{FF2B5EF4-FFF2-40B4-BE49-F238E27FC236}">
+                <a16:creationId xmlns:a16="http://schemas.microsoft.com/office/drawing/2014/main" id="{7B16A378-8A38-4F43-A9A5-3C7236B5EFD7}"/>
+              </a:ext>
+            </a:extLst>
+          </p:cNvPr>
+          <p:cNvPicPr>
+            <a:picLocks noChangeAspect="1"/>
+          </p:cNvPicPr>
+          <p:nvPr/>
+        </p:nvPicPr>
+        <p:blipFill>
+          <a:blip r:embed="rId2"/>
+          <a:stretch>
+            <a:fillRect/>
+          </a:stretch>
+        </p:blipFill>
+        <p:spPr>
+          <a:xfrm>
+            <a:off x="3841750" y="2546350"/>
+            <a:ext cx="4508500" cy="1765300"/>
+          </a:xfrm>
+          <a:prstGeom prst="rect">
+            <a:avLst/>
+          </a:prstGeom>
+        </p:spPr>
+      </p:pic>
+    </p:spTree>
+    <p:extLst>
+      <p:ext uri="{BB962C8B-B14F-4D97-AF65-F5344CB8AC3E}">
+        <p14:creationId xmlns:p14="http://schemas.microsoft.com/office/powerpoint/2010/main" val="2564585981"/>
+      </p:ext>
+    </p:extLst>
+  </p:cSld>
+  <p:clrMapOvr>
+    <a:masterClrMapping/>
+  </p:clrMapOvr>
+</p:sld>
+</file>
+
+<file path=ppt/slides/slide16.xml><?xml version="1.0" encoding="utf-8"?>
+<p:sld xmlns:a="http://schemas.openxmlformats.org/drawingml/2006/main" xmlns:r="http://schemas.openxmlformats.org/officeDocument/2006/relationships" xmlns:p="http://schemas.openxmlformats.org/presentationml/2006/main">
+  <p:cSld>
+    <p:spTree>
+      <p:nvGrpSpPr>
+        <p:cNvPr id="1" name=""/>
+        <p:cNvGrpSpPr/>
+        <p:nvPr/>
+      </p:nvGrpSpPr>
+      <p:grpSpPr>
+        <a:xfrm>
+          <a:off x="0" y="0"/>
+          <a:ext cx="0" cy="0"/>
+          <a:chOff x="0" y="0"/>
+          <a:chExt cx="0" cy="0"/>
+        </a:xfrm>
+      </p:grpSpPr>
+      <p:pic>
+        <p:nvPicPr>
+          <p:cNvPr id="2" name="圖片 1">
+            <a:extLst>
+              <a:ext uri="{FF2B5EF4-FFF2-40B4-BE49-F238E27FC236}">
+                <a16:creationId xmlns:a16="http://schemas.microsoft.com/office/drawing/2014/main" id="{099DC467-2603-4B40-8B53-965D93C96B03}"/>
+              </a:ext>
+            </a:extLst>
+          </p:cNvPr>
+          <p:cNvPicPr>
+            <a:picLocks noChangeAspect="1"/>
+          </p:cNvPicPr>
+          <p:nvPr/>
+        </p:nvPicPr>
+        <p:blipFill>
+          <a:blip r:embed="rId2"/>
+          <a:stretch>
+            <a:fillRect/>
+          </a:stretch>
+        </p:blipFill>
+        <p:spPr>
+          <a:xfrm>
+            <a:off x="3194050" y="2692400"/>
+            <a:ext cx="5803900" cy="1473200"/>
+          </a:xfrm>
+          <a:prstGeom prst="rect">
+            <a:avLst/>
+          </a:prstGeom>
+        </p:spPr>
+      </p:pic>
+    </p:spTree>
+    <p:extLst>
+      <p:ext uri="{BB962C8B-B14F-4D97-AF65-F5344CB8AC3E}">
+        <p14:creationId xmlns:p14="http://schemas.microsoft.com/office/powerpoint/2010/main" val="1937587532"/>
+      </p:ext>
+    </p:extLst>
+  </p:cSld>
+  <p:clrMapOvr>
+    <a:masterClrMapping/>
+  </p:clrMapOvr>
+</p:sld>
+</file>
+
+<file path=ppt/slides/slide17.xml><?xml version="1.0" encoding="utf-8"?>
+<p:sld xmlns:a="http://schemas.openxmlformats.org/drawingml/2006/main" xmlns:r="http://schemas.openxmlformats.org/officeDocument/2006/relationships" xmlns:p="http://schemas.openxmlformats.org/presentationml/2006/main">
+  <p:cSld>
+    <p:spTree>
+      <p:nvGrpSpPr>
+        <p:cNvPr id="1" name=""/>
+        <p:cNvGrpSpPr/>
+        <p:nvPr/>
+      </p:nvGrpSpPr>
+      <p:grpSpPr>
+        <a:xfrm>
+          <a:off x="0" y="0"/>
+          <a:ext cx="0" cy="0"/>
+          <a:chOff x="0" y="0"/>
+          <a:chExt cx="0" cy="0"/>
+        </a:xfrm>
+      </p:grpSpPr>
+      <p:pic>
+        <p:nvPicPr>
+          <p:cNvPr id="3" name="圖片 2">
+            <a:extLst>
+              <a:ext uri="{FF2B5EF4-FFF2-40B4-BE49-F238E27FC236}">
+                <a16:creationId xmlns:a16="http://schemas.microsoft.com/office/drawing/2014/main" id="{C8F83757-C9B9-4E20-92B6-3A9F0E85D674}"/>
+              </a:ext>
+            </a:extLst>
+          </p:cNvPr>
+          <p:cNvPicPr>
+            <a:picLocks noChangeAspect="1"/>
+          </p:cNvPicPr>
+          <p:nvPr/>
+        </p:nvPicPr>
+        <p:blipFill>
+          <a:blip r:embed="rId2"/>
+          <a:stretch>
+            <a:fillRect/>
+          </a:stretch>
+        </p:blipFill>
+        <p:spPr>
+          <a:xfrm>
+            <a:off x="2127250" y="2654300"/>
+            <a:ext cx="7937500" cy="1549400"/>
+          </a:xfrm>
+          <a:prstGeom prst="rect">
+            <a:avLst/>
+          </a:prstGeom>
+        </p:spPr>
+      </p:pic>
+    </p:spTree>
+    <p:extLst>
+      <p:ext uri="{BB962C8B-B14F-4D97-AF65-F5344CB8AC3E}">
+        <p14:creationId xmlns:p14="http://schemas.microsoft.com/office/powerpoint/2010/main" val="691822794"/>
+      </p:ext>
+    </p:extLst>
+  </p:cSld>
+  <p:clrMapOvr>
+    <a:masterClrMapping/>
+  </p:clrMapOvr>
+</p:sld>
+</file>
+
+<file path=ppt/slides/slide18.xml><?xml version="1.0" encoding="utf-8"?>
+<p:sld xmlns:a="http://schemas.openxmlformats.org/drawingml/2006/main" xmlns:r="http://schemas.openxmlformats.org/officeDocument/2006/relationships" xmlns:p="http://schemas.openxmlformats.org/presentationml/2006/main">
+  <p:cSld>
+    <p:spTree>
+      <p:nvGrpSpPr>
+        <p:cNvPr id="1" name=""/>
+        <p:cNvGrpSpPr/>
+        <p:nvPr/>
+      </p:nvGrpSpPr>
+      <p:grpSpPr>
+        <a:xfrm>
+          <a:off x="0" y="0"/>
+          <a:ext cx="0" cy="0"/>
+          <a:chOff x="0" y="0"/>
+          <a:chExt cx="0" cy="0"/>
+        </a:xfrm>
+      </p:grpSpPr>
+      <p:pic>
+        <p:nvPicPr>
+          <p:cNvPr id="3" name="圖片 2">
+            <a:extLst>
+              <a:ext uri="{FF2B5EF4-FFF2-40B4-BE49-F238E27FC236}">
+                <a16:creationId xmlns:a16="http://schemas.microsoft.com/office/drawing/2014/main" id="{AB505DBA-D11A-4959-A36A-8AE670C5BD27}"/>
+              </a:ext>
+            </a:extLst>
+          </p:cNvPr>
+          <p:cNvPicPr>
+            <a:picLocks noChangeAspect="1"/>
+          </p:cNvPicPr>
+          <p:nvPr/>
+        </p:nvPicPr>
+        <p:blipFill>
+          <a:blip r:embed="rId2"/>
+          <a:stretch>
+            <a:fillRect/>
+          </a:stretch>
+        </p:blipFill>
+        <p:spPr>
+          <a:xfrm>
+            <a:off x="0" y="2862838"/>
+            <a:ext cx="12192000" cy="1132323"/>
+          </a:xfrm>
+          <a:prstGeom prst="rect">
+            <a:avLst/>
+          </a:prstGeom>
+        </p:spPr>
+      </p:pic>
+    </p:spTree>
+    <p:extLst>
+      <p:ext uri="{BB962C8B-B14F-4D97-AF65-F5344CB8AC3E}">
+        <p14:creationId xmlns:p14="http://schemas.microsoft.com/office/powerpoint/2010/main" val="385493240"/>
+      </p:ext>
+    </p:extLst>
+  </p:cSld>
+  <p:clrMapOvr>
+    <a:masterClrMapping/>
+  </p:clrMapOvr>
+</p:sld>
+</file>
+
 <file path=ppt/slides/slide2.xml><?xml version="1.0" encoding="utf-8"?>
 <p:sld xmlns:a="http://schemas.openxmlformats.org/drawingml/2006/main" xmlns:r="http://schemas.openxmlformats.org/officeDocument/2006/relationships" xmlns:p="http://schemas.openxmlformats.org/presentationml/2006/main">
   <p:cSld>
@@ -8080,6 +8726,1863 @@
     <p:extLst>
       <p:ext uri="{BB962C8B-B14F-4D97-AF65-F5344CB8AC3E}">
         <p14:creationId xmlns:p14="http://schemas.microsoft.com/office/powerpoint/2010/main" val="3195528047"/>
+      </p:ext>
+    </p:extLst>
+  </p:cSld>
+  <p:clrMapOvr>
+    <a:masterClrMapping/>
+  </p:clrMapOvr>
+</p:sld>
+</file>
+
+<file path=ppt/slides/slide3.xml><?xml version="1.0" encoding="utf-8"?>
+<p:sld xmlns:a="http://schemas.openxmlformats.org/drawingml/2006/main" xmlns:r="http://schemas.openxmlformats.org/officeDocument/2006/relationships" xmlns:p="http://schemas.openxmlformats.org/presentationml/2006/main">
+  <p:cSld>
+    <p:spTree>
+      <p:nvGrpSpPr>
+        <p:cNvPr id="1" name=""/>
+        <p:cNvGrpSpPr/>
+        <p:nvPr/>
+      </p:nvGrpSpPr>
+      <p:grpSpPr>
+        <a:xfrm>
+          <a:off x="0" y="0"/>
+          <a:ext cx="0" cy="0"/>
+          <a:chOff x="0" y="0"/>
+          <a:chExt cx="0" cy="0"/>
+        </a:xfrm>
+      </p:grpSpPr>
+      <p:pic>
+        <p:nvPicPr>
+          <p:cNvPr id="2" name="圖片 1">
+            <a:extLst>
+              <a:ext uri="{FF2B5EF4-FFF2-40B4-BE49-F238E27FC236}">
+                <a16:creationId xmlns:a16="http://schemas.microsoft.com/office/drawing/2014/main" id="{0B43A902-26E4-415E-9DEE-73AD9E60E8CA}"/>
+              </a:ext>
+            </a:extLst>
+          </p:cNvPr>
+          <p:cNvPicPr>
+            <a:picLocks noChangeAspect="1"/>
+          </p:cNvPicPr>
+          <p:nvPr/>
+        </p:nvPicPr>
+        <p:blipFill>
+          <a:blip r:embed="rId2"/>
+          <a:stretch>
+            <a:fillRect/>
+          </a:stretch>
+        </p:blipFill>
+        <p:spPr>
+          <a:xfrm>
+            <a:off x="0" y="1881919"/>
+            <a:ext cx="12192000" cy="3094161"/>
+          </a:xfrm>
+          <a:prstGeom prst="rect">
+            <a:avLst/>
+          </a:prstGeom>
+        </p:spPr>
+      </p:pic>
+    </p:spTree>
+    <p:extLst>
+      <p:ext uri="{BB962C8B-B14F-4D97-AF65-F5344CB8AC3E}">
+        <p14:creationId xmlns:p14="http://schemas.microsoft.com/office/powerpoint/2010/main" val="2995401194"/>
+      </p:ext>
+    </p:extLst>
+  </p:cSld>
+  <p:clrMapOvr>
+    <a:masterClrMapping/>
+  </p:clrMapOvr>
+</p:sld>
+</file>
+
+<file path=ppt/slides/slide4.xml><?xml version="1.0" encoding="utf-8"?>
+<p:sld xmlns:a="http://schemas.openxmlformats.org/drawingml/2006/main" xmlns:r="http://schemas.openxmlformats.org/officeDocument/2006/relationships" xmlns:p="http://schemas.openxmlformats.org/presentationml/2006/main">
+  <p:cSld>
+    <p:spTree>
+      <p:nvGrpSpPr>
+        <p:cNvPr id="1" name=""/>
+        <p:cNvGrpSpPr/>
+        <p:nvPr/>
+      </p:nvGrpSpPr>
+      <p:grpSpPr>
+        <a:xfrm>
+          <a:off x="0" y="0"/>
+          <a:ext cx="0" cy="0"/>
+          <a:chOff x="0" y="0"/>
+          <a:chExt cx="0" cy="0"/>
+        </a:xfrm>
+      </p:grpSpPr>
+      <p:pic>
+        <p:nvPicPr>
+          <p:cNvPr id="10" name="圖片 9">
+            <a:extLst>
+              <a:ext uri="{FF2B5EF4-FFF2-40B4-BE49-F238E27FC236}">
+                <a16:creationId xmlns:a16="http://schemas.microsoft.com/office/drawing/2014/main" id="{43CC11B7-4CF3-405F-A360-7D4820FCB89E}"/>
+              </a:ext>
+            </a:extLst>
+          </p:cNvPr>
+          <p:cNvPicPr>
+            <a:picLocks noChangeAspect="1"/>
+          </p:cNvPicPr>
+          <p:nvPr/>
+        </p:nvPicPr>
+        <p:blipFill>
+          <a:blip r:embed="rId2"/>
+          <a:stretch>
+            <a:fillRect/>
+          </a:stretch>
+        </p:blipFill>
+        <p:spPr>
+          <a:xfrm>
+            <a:off x="3038475" y="2971800"/>
+            <a:ext cx="6115050" cy="914400"/>
+          </a:xfrm>
+          <a:prstGeom prst="rect">
+            <a:avLst/>
+          </a:prstGeom>
+        </p:spPr>
+      </p:pic>
+    </p:spTree>
+    <p:extLst>
+      <p:ext uri="{BB962C8B-B14F-4D97-AF65-F5344CB8AC3E}">
+        <p14:creationId xmlns:p14="http://schemas.microsoft.com/office/powerpoint/2010/main" val="293190558"/>
+      </p:ext>
+    </p:extLst>
+  </p:cSld>
+  <p:clrMapOvr>
+    <a:masterClrMapping/>
+  </p:clrMapOvr>
+</p:sld>
+</file>
+
+<file path=ppt/slides/slide5.xml><?xml version="1.0" encoding="utf-8"?>
+<p:sld xmlns:a="http://schemas.openxmlformats.org/drawingml/2006/main" xmlns:r="http://schemas.openxmlformats.org/officeDocument/2006/relationships" xmlns:p="http://schemas.openxmlformats.org/presentationml/2006/main">
+  <p:cSld>
+    <p:spTree>
+      <p:nvGrpSpPr>
+        <p:cNvPr id="1" name=""/>
+        <p:cNvGrpSpPr/>
+        <p:nvPr/>
+      </p:nvGrpSpPr>
+      <p:grpSpPr>
+        <a:xfrm>
+          <a:off x="0" y="0"/>
+          <a:ext cx="0" cy="0"/>
+          <a:chOff x="0" y="0"/>
+          <a:chExt cx="0" cy="0"/>
+        </a:xfrm>
+      </p:grpSpPr>
+      <p:pic>
+        <p:nvPicPr>
+          <p:cNvPr id="4" name="圖片 3">
+            <a:extLst>
+              <a:ext uri="{FF2B5EF4-FFF2-40B4-BE49-F238E27FC236}">
+                <a16:creationId xmlns:a16="http://schemas.microsoft.com/office/drawing/2014/main" id="{98E7777F-91C8-4A7B-BB4D-A43599C17810}"/>
+              </a:ext>
+            </a:extLst>
+          </p:cNvPr>
+          <p:cNvPicPr>
+            <a:picLocks noChangeAspect="1"/>
+          </p:cNvPicPr>
+          <p:nvPr/>
+        </p:nvPicPr>
+        <p:blipFill>
+          <a:blip r:embed="rId2"/>
+          <a:stretch>
+            <a:fillRect/>
+          </a:stretch>
+        </p:blipFill>
+        <p:spPr>
+          <a:xfrm>
+            <a:off x="2416175" y="1483045"/>
+            <a:ext cx="7359650" cy="984250"/>
+          </a:xfrm>
+          <a:prstGeom prst="rect">
+            <a:avLst/>
+          </a:prstGeom>
+        </p:spPr>
+      </p:pic>
+      <p:pic>
+        <p:nvPicPr>
+          <p:cNvPr id="6" name="圖片 5">
+            <a:extLst>
+              <a:ext uri="{FF2B5EF4-FFF2-40B4-BE49-F238E27FC236}">
+                <a16:creationId xmlns:a16="http://schemas.microsoft.com/office/drawing/2014/main" id="{FD36B366-8F03-4E68-BEBC-AA33C84A0358}"/>
+              </a:ext>
+            </a:extLst>
+          </p:cNvPr>
+          <p:cNvPicPr>
+            <a:picLocks noChangeAspect="1"/>
+          </p:cNvPicPr>
+          <p:nvPr/>
+        </p:nvPicPr>
+        <p:blipFill>
+          <a:blip r:embed="rId3"/>
+          <a:stretch>
+            <a:fillRect/>
+          </a:stretch>
+        </p:blipFill>
+        <p:spPr>
+          <a:xfrm>
+            <a:off x="2271427" y="2871091"/>
+            <a:ext cx="7175500" cy="984250"/>
+          </a:xfrm>
+          <a:prstGeom prst="rect">
+            <a:avLst/>
+          </a:prstGeom>
+        </p:spPr>
+      </p:pic>
+      <p:pic>
+        <p:nvPicPr>
+          <p:cNvPr id="8" name="圖片 7">
+            <a:extLst>
+              <a:ext uri="{FF2B5EF4-FFF2-40B4-BE49-F238E27FC236}">
+                <a16:creationId xmlns:a16="http://schemas.microsoft.com/office/drawing/2014/main" id="{FB9C829D-9C8B-46B0-B449-B1400D577C5C}"/>
+              </a:ext>
+            </a:extLst>
+          </p:cNvPr>
+          <p:cNvPicPr>
+            <a:picLocks noChangeAspect="1"/>
+          </p:cNvPicPr>
+          <p:nvPr/>
+        </p:nvPicPr>
+        <p:blipFill>
+          <a:blip r:embed="rId4"/>
+          <a:stretch>
+            <a:fillRect/>
+          </a:stretch>
+        </p:blipFill>
+        <p:spPr>
+          <a:xfrm>
+            <a:off x="2600325" y="4791988"/>
+            <a:ext cx="7175500" cy="984250"/>
+          </a:xfrm>
+          <a:prstGeom prst="rect">
+            <a:avLst/>
+          </a:prstGeom>
+        </p:spPr>
+      </p:pic>
+    </p:spTree>
+    <p:extLst>
+      <p:ext uri="{BB962C8B-B14F-4D97-AF65-F5344CB8AC3E}">
+        <p14:creationId xmlns:p14="http://schemas.microsoft.com/office/powerpoint/2010/main" val="121811632"/>
+      </p:ext>
+    </p:extLst>
+  </p:cSld>
+  <p:clrMapOvr>
+    <a:masterClrMapping/>
+  </p:clrMapOvr>
+</p:sld>
+</file>
+
+<file path=ppt/slides/slide6.xml><?xml version="1.0" encoding="utf-8"?>
+<p:sld xmlns:a="http://schemas.openxmlformats.org/drawingml/2006/main" xmlns:r="http://schemas.openxmlformats.org/officeDocument/2006/relationships" xmlns:p="http://schemas.openxmlformats.org/presentationml/2006/main">
+  <p:cSld>
+    <p:spTree>
+      <p:nvGrpSpPr>
+        <p:cNvPr id="1" name=""/>
+        <p:cNvGrpSpPr/>
+        <p:nvPr/>
+      </p:nvGrpSpPr>
+      <p:grpSpPr>
+        <a:xfrm>
+          <a:off x="0" y="0"/>
+          <a:ext cx="0" cy="0"/>
+          <a:chOff x="0" y="0"/>
+          <a:chExt cx="0" cy="0"/>
+        </a:xfrm>
+      </p:grpSpPr>
+      <p:pic>
+        <p:nvPicPr>
+          <p:cNvPr id="5" name="圖片 4">
+            <a:extLst>
+              <a:ext uri="{FF2B5EF4-FFF2-40B4-BE49-F238E27FC236}">
+                <a16:creationId xmlns:a16="http://schemas.microsoft.com/office/drawing/2014/main" id="{708A4A4E-4A77-4BC9-B972-D8EFE051B665}"/>
+              </a:ext>
+            </a:extLst>
+          </p:cNvPr>
+          <p:cNvPicPr>
+            <a:picLocks noChangeAspect="1"/>
+          </p:cNvPicPr>
+          <p:nvPr/>
+        </p:nvPicPr>
+        <p:blipFill>
+          <a:blip r:embed="rId2"/>
+          <a:stretch>
+            <a:fillRect/>
+          </a:stretch>
+        </p:blipFill>
+        <p:spPr>
+          <a:xfrm>
+            <a:off x="2809875" y="2393950"/>
+            <a:ext cx="6572250" cy="2070100"/>
+          </a:xfrm>
+          <a:prstGeom prst="rect">
+            <a:avLst/>
+          </a:prstGeom>
+        </p:spPr>
+      </p:pic>
+      <p:grpSp>
+        <p:nvGrpSpPr>
+          <p:cNvPr id="2" name="群組 1">
+            <a:extLst>
+              <a:ext uri="{FF2B5EF4-FFF2-40B4-BE49-F238E27FC236}">
+                <a16:creationId xmlns:a16="http://schemas.microsoft.com/office/drawing/2014/main" id="{C5F42D02-F274-483F-A055-1C985702244E}"/>
+              </a:ext>
+            </a:extLst>
+          </p:cNvPr>
+          <p:cNvGrpSpPr/>
+          <p:nvPr/>
+        </p:nvGrpSpPr>
+        <p:grpSpPr>
+          <a:xfrm>
+            <a:off x="4555417" y="3208466"/>
+            <a:ext cx="4768236" cy="424302"/>
+            <a:chOff x="4555417" y="3208466"/>
+            <a:chExt cx="4768236" cy="424302"/>
+          </a:xfrm>
+        </p:grpSpPr>
+        <p:pic>
+          <p:nvPicPr>
+            <p:cNvPr id="11" name="圖片 10">
+              <a:extLst>
+                <a:ext uri="{FF2B5EF4-FFF2-40B4-BE49-F238E27FC236}">
+                  <a16:creationId xmlns:a16="http://schemas.microsoft.com/office/drawing/2014/main" id="{1955FB47-951D-435E-BC55-C5DCFFE0A38D}"/>
+                </a:ext>
+              </a:extLst>
+            </p:cNvPr>
+            <p:cNvPicPr>
+              <a:picLocks noChangeAspect="1"/>
+            </p:cNvPicPr>
+            <p:nvPr/>
+          </p:nvPicPr>
+          <p:blipFill>
+            <a:blip r:embed="rId3"/>
+            <a:stretch>
+              <a:fillRect/>
+            </a:stretch>
+          </p:blipFill>
+          <p:spPr>
+            <a:xfrm>
+              <a:off x="5162773" y="3208466"/>
+              <a:ext cx="499915" cy="414564"/>
+            </a:xfrm>
+            <a:prstGeom prst="rect">
+              <a:avLst/>
+            </a:prstGeom>
+          </p:spPr>
+        </p:pic>
+        <p:pic>
+          <p:nvPicPr>
+            <p:cNvPr id="12" name="圖片 11">
+              <a:extLst>
+                <a:ext uri="{FF2B5EF4-FFF2-40B4-BE49-F238E27FC236}">
+                  <a16:creationId xmlns:a16="http://schemas.microsoft.com/office/drawing/2014/main" id="{70646DCD-79F4-4870-B7FF-1D270D3280B2}"/>
+                </a:ext>
+              </a:extLst>
+            </p:cNvPr>
+            <p:cNvPicPr>
+              <a:picLocks noChangeAspect="1"/>
+            </p:cNvPicPr>
+            <p:nvPr/>
+          </p:nvPicPr>
+          <p:blipFill>
+            <a:blip r:embed="rId3"/>
+            <a:stretch>
+              <a:fillRect/>
+            </a:stretch>
+          </p:blipFill>
+          <p:spPr>
+            <a:xfrm>
+              <a:off x="4555417" y="3211712"/>
+              <a:ext cx="499915" cy="414564"/>
+            </a:xfrm>
+            <a:prstGeom prst="rect">
+              <a:avLst/>
+            </a:prstGeom>
+          </p:spPr>
+        </p:pic>
+        <p:pic>
+          <p:nvPicPr>
+            <p:cNvPr id="13" name="圖片 12">
+              <a:extLst>
+                <a:ext uri="{FF2B5EF4-FFF2-40B4-BE49-F238E27FC236}">
+                  <a16:creationId xmlns:a16="http://schemas.microsoft.com/office/drawing/2014/main" id="{87348108-C9AA-48C2-8682-07DF402DA25F}"/>
+                </a:ext>
+              </a:extLst>
+            </p:cNvPr>
+            <p:cNvPicPr>
+              <a:picLocks noChangeAspect="1"/>
+            </p:cNvPicPr>
+            <p:nvPr/>
+          </p:nvPicPr>
+          <p:blipFill>
+            <a:blip r:embed="rId3"/>
+            <a:stretch>
+              <a:fillRect/>
+            </a:stretch>
+          </p:blipFill>
+          <p:spPr>
+            <a:xfrm>
+              <a:off x="6376428" y="3211712"/>
+              <a:ext cx="499915" cy="414564"/>
+            </a:xfrm>
+            <a:prstGeom prst="rect">
+              <a:avLst/>
+            </a:prstGeom>
+          </p:spPr>
+        </p:pic>
+        <p:pic>
+          <p:nvPicPr>
+            <p:cNvPr id="14" name="圖片 13">
+              <a:extLst>
+                <a:ext uri="{FF2B5EF4-FFF2-40B4-BE49-F238E27FC236}">
+                  <a16:creationId xmlns:a16="http://schemas.microsoft.com/office/drawing/2014/main" id="{75286FA5-0BD6-46CF-B55D-81A5EC5214F1}"/>
+                </a:ext>
+              </a:extLst>
+            </p:cNvPr>
+            <p:cNvPicPr>
+              <a:picLocks noChangeAspect="1"/>
+            </p:cNvPicPr>
+            <p:nvPr/>
+          </p:nvPicPr>
+          <p:blipFill>
+            <a:blip r:embed="rId3"/>
+            <a:stretch>
+              <a:fillRect/>
+            </a:stretch>
+          </p:blipFill>
+          <p:spPr>
+            <a:xfrm>
+              <a:off x="5769072" y="3214958"/>
+              <a:ext cx="499915" cy="414564"/>
+            </a:xfrm>
+            <a:prstGeom prst="rect">
+              <a:avLst/>
+            </a:prstGeom>
+          </p:spPr>
+        </p:pic>
+        <p:pic>
+          <p:nvPicPr>
+            <p:cNvPr id="15" name="圖片 14">
+              <a:extLst>
+                <a:ext uri="{FF2B5EF4-FFF2-40B4-BE49-F238E27FC236}">
+                  <a16:creationId xmlns:a16="http://schemas.microsoft.com/office/drawing/2014/main" id="{6052EAEC-B2F9-4E50-9350-3EFB60D67D98}"/>
+                </a:ext>
+              </a:extLst>
+            </p:cNvPr>
+            <p:cNvPicPr>
+              <a:picLocks noChangeAspect="1"/>
+            </p:cNvPicPr>
+            <p:nvPr/>
+          </p:nvPicPr>
+          <p:blipFill>
+            <a:blip r:embed="rId3"/>
+            <a:stretch>
+              <a:fillRect/>
+            </a:stretch>
+          </p:blipFill>
+          <p:spPr>
+            <a:xfrm rot="10800000">
+              <a:off x="7610083" y="3211712"/>
+              <a:ext cx="499915" cy="414564"/>
+            </a:xfrm>
+            <a:prstGeom prst="rect">
+              <a:avLst/>
+            </a:prstGeom>
+          </p:spPr>
+        </p:pic>
+        <p:pic>
+          <p:nvPicPr>
+            <p:cNvPr id="16" name="圖片 15">
+              <a:extLst>
+                <a:ext uri="{FF2B5EF4-FFF2-40B4-BE49-F238E27FC236}">
+                  <a16:creationId xmlns:a16="http://schemas.microsoft.com/office/drawing/2014/main" id="{FB2E729C-D4F3-4B5E-B380-DABD72357482}"/>
+                </a:ext>
+              </a:extLst>
+            </p:cNvPr>
+            <p:cNvPicPr>
+              <a:picLocks noChangeAspect="1"/>
+            </p:cNvPicPr>
+            <p:nvPr/>
+          </p:nvPicPr>
+          <p:blipFill>
+            <a:blip r:embed="rId3"/>
+            <a:stretch>
+              <a:fillRect/>
+            </a:stretch>
+          </p:blipFill>
+          <p:spPr>
+            <a:xfrm rot="10800000">
+              <a:off x="7002727" y="3214958"/>
+              <a:ext cx="499915" cy="414564"/>
+            </a:xfrm>
+            <a:prstGeom prst="rect">
+              <a:avLst/>
+            </a:prstGeom>
+          </p:spPr>
+        </p:pic>
+        <p:pic>
+          <p:nvPicPr>
+            <p:cNvPr id="17" name="圖片 16">
+              <a:extLst>
+                <a:ext uri="{FF2B5EF4-FFF2-40B4-BE49-F238E27FC236}">
+                  <a16:creationId xmlns:a16="http://schemas.microsoft.com/office/drawing/2014/main" id="{DB3C8D08-F819-4B82-B93D-27B435068E05}"/>
+                </a:ext>
+              </a:extLst>
+            </p:cNvPr>
+            <p:cNvPicPr>
+              <a:picLocks noChangeAspect="1"/>
+            </p:cNvPicPr>
+            <p:nvPr/>
+          </p:nvPicPr>
+          <p:blipFill>
+            <a:blip r:embed="rId3"/>
+            <a:stretch>
+              <a:fillRect/>
+            </a:stretch>
+          </p:blipFill>
+          <p:spPr>
+            <a:xfrm rot="10800000">
+              <a:off x="8823738" y="3214958"/>
+              <a:ext cx="499915" cy="414564"/>
+            </a:xfrm>
+            <a:prstGeom prst="rect">
+              <a:avLst/>
+            </a:prstGeom>
+          </p:spPr>
+        </p:pic>
+        <p:pic>
+          <p:nvPicPr>
+            <p:cNvPr id="18" name="圖片 17">
+              <a:extLst>
+                <a:ext uri="{FF2B5EF4-FFF2-40B4-BE49-F238E27FC236}">
+                  <a16:creationId xmlns:a16="http://schemas.microsoft.com/office/drawing/2014/main" id="{D67C1BFC-2504-4278-9814-E883738424EE}"/>
+                </a:ext>
+              </a:extLst>
+            </p:cNvPr>
+            <p:cNvPicPr>
+              <a:picLocks noChangeAspect="1"/>
+            </p:cNvPicPr>
+            <p:nvPr/>
+          </p:nvPicPr>
+          <p:blipFill>
+            <a:blip r:embed="rId3"/>
+            <a:stretch>
+              <a:fillRect/>
+            </a:stretch>
+          </p:blipFill>
+          <p:spPr>
+            <a:xfrm>
+              <a:off x="8216382" y="3218204"/>
+              <a:ext cx="499915" cy="414564"/>
+            </a:xfrm>
+            <a:prstGeom prst="rect">
+              <a:avLst/>
+            </a:prstGeom>
+          </p:spPr>
+        </p:pic>
+      </p:grpSp>
+    </p:spTree>
+    <p:extLst>
+      <p:ext uri="{BB962C8B-B14F-4D97-AF65-F5344CB8AC3E}">
+        <p14:creationId xmlns:p14="http://schemas.microsoft.com/office/powerpoint/2010/main" val="1762986984"/>
+      </p:ext>
+    </p:extLst>
+  </p:cSld>
+  <p:clrMapOvr>
+    <a:masterClrMapping/>
+  </p:clrMapOvr>
+</p:sld>
+</file>
+
+<file path=ppt/slides/slide7.xml><?xml version="1.0" encoding="utf-8"?>
+<p:sld xmlns:a="http://schemas.openxmlformats.org/drawingml/2006/main" xmlns:r="http://schemas.openxmlformats.org/officeDocument/2006/relationships" xmlns:p="http://schemas.openxmlformats.org/presentationml/2006/main">
+  <p:cSld>
+    <p:spTree>
+      <p:nvGrpSpPr>
+        <p:cNvPr id="1" name=""/>
+        <p:cNvGrpSpPr/>
+        <p:nvPr/>
+      </p:nvGrpSpPr>
+      <p:grpSpPr>
+        <a:xfrm>
+          <a:off x="0" y="0"/>
+          <a:ext cx="0" cy="0"/>
+          <a:chOff x="0" y="0"/>
+          <a:chExt cx="0" cy="0"/>
+        </a:xfrm>
+      </p:grpSpPr>
+      <p:grpSp>
+        <p:nvGrpSpPr>
+          <p:cNvPr id="2" name="群組 1">
+            <a:extLst>
+              <a:ext uri="{FF2B5EF4-FFF2-40B4-BE49-F238E27FC236}">
+                <a16:creationId xmlns:a16="http://schemas.microsoft.com/office/drawing/2014/main" id="{7A926412-6C53-4111-B8D5-E69CF5959120}"/>
+              </a:ext>
+            </a:extLst>
+          </p:cNvPr>
+          <p:cNvGrpSpPr/>
+          <p:nvPr/>
+        </p:nvGrpSpPr>
+        <p:grpSpPr>
+          <a:xfrm>
+            <a:off x="2360405" y="2477518"/>
+            <a:ext cx="7842250" cy="2070100"/>
+            <a:chOff x="2360405" y="2477518"/>
+            <a:chExt cx="7842250" cy="2070100"/>
+          </a:xfrm>
+        </p:grpSpPr>
+        <p:pic>
+          <p:nvPicPr>
+            <p:cNvPr id="30" name="圖片 29">
+              <a:extLst>
+                <a:ext uri="{FF2B5EF4-FFF2-40B4-BE49-F238E27FC236}">
+                  <a16:creationId xmlns:a16="http://schemas.microsoft.com/office/drawing/2014/main" id="{638BBAA9-0F95-4D02-B61F-D7C5C2B9415B}"/>
+                </a:ext>
+              </a:extLst>
+            </p:cNvPr>
+            <p:cNvPicPr>
+              <a:picLocks noChangeAspect="1"/>
+            </p:cNvPicPr>
+            <p:nvPr/>
+          </p:nvPicPr>
+          <p:blipFill>
+            <a:blip r:embed="rId2"/>
+            <a:stretch>
+              <a:fillRect/>
+            </a:stretch>
+          </p:blipFill>
+          <p:spPr>
+            <a:xfrm>
+              <a:off x="2360405" y="2477518"/>
+              <a:ext cx="7842250" cy="2070100"/>
+            </a:xfrm>
+            <a:prstGeom prst="rect">
+              <a:avLst/>
+            </a:prstGeom>
+          </p:spPr>
+        </p:pic>
+        <p:pic>
+          <p:nvPicPr>
+            <p:cNvPr id="22" name="圖片 21">
+              <a:extLst>
+                <a:ext uri="{FF2B5EF4-FFF2-40B4-BE49-F238E27FC236}">
+                  <a16:creationId xmlns:a16="http://schemas.microsoft.com/office/drawing/2014/main" id="{AA9BAEED-5950-432A-B9C6-50455913C62D}"/>
+                </a:ext>
+              </a:extLst>
+            </p:cNvPr>
+            <p:cNvPicPr>
+              <a:picLocks noChangeAspect="1"/>
+            </p:cNvPicPr>
+            <p:nvPr/>
+          </p:nvPicPr>
+          <p:blipFill>
+            <a:blip r:embed="rId3"/>
+            <a:stretch>
+              <a:fillRect/>
+            </a:stretch>
+          </p:blipFill>
+          <p:spPr>
+            <a:xfrm>
+              <a:off x="4923686" y="3287977"/>
+              <a:ext cx="541987" cy="449453"/>
+            </a:xfrm>
+            <a:prstGeom prst="rect">
+              <a:avLst/>
+            </a:prstGeom>
+          </p:spPr>
+        </p:pic>
+        <p:pic>
+          <p:nvPicPr>
+            <p:cNvPr id="23" name="圖片 22">
+              <a:extLst>
+                <a:ext uri="{FF2B5EF4-FFF2-40B4-BE49-F238E27FC236}">
+                  <a16:creationId xmlns:a16="http://schemas.microsoft.com/office/drawing/2014/main" id="{5CE12C88-5E2A-4F33-9B1F-83DA5EB85339}"/>
+                </a:ext>
+              </a:extLst>
+            </p:cNvPr>
+            <p:cNvPicPr>
+              <a:picLocks noChangeAspect="1"/>
+            </p:cNvPicPr>
+            <p:nvPr/>
+          </p:nvPicPr>
+          <p:blipFill>
+            <a:blip r:embed="rId3"/>
+            <a:stretch>
+              <a:fillRect/>
+            </a:stretch>
+          </p:blipFill>
+          <p:spPr>
+            <a:xfrm>
+              <a:off x="4157376" y="3281216"/>
+              <a:ext cx="541987" cy="449453"/>
+            </a:xfrm>
+            <a:prstGeom prst="rect">
+              <a:avLst/>
+            </a:prstGeom>
+          </p:spPr>
+        </p:pic>
+        <p:pic>
+          <p:nvPicPr>
+            <p:cNvPr id="24" name="圖片 23">
+              <a:extLst>
+                <a:ext uri="{FF2B5EF4-FFF2-40B4-BE49-F238E27FC236}">
+                  <a16:creationId xmlns:a16="http://schemas.microsoft.com/office/drawing/2014/main" id="{246E9D91-68A6-4C2B-B937-73C5927002C9}"/>
+                </a:ext>
+              </a:extLst>
+            </p:cNvPr>
+            <p:cNvPicPr>
+              <a:picLocks noChangeAspect="1"/>
+            </p:cNvPicPr>
+            <p:nvPr/>
+          </p:nvPicPr>
+          <p:blipFill>
+            <a:blip r:embed="rId3"/>
+            <a:stretch>
+              <a:fillRect/>
+            </a:stretch>
+          </p:blipFill>
+          <p:spPr>
+            <a:xfrm>
+              <a:off x="6458663" y="3290728"/>
+              <a:ext cx="541987" cy="449453"/>
+            </a:xfrm>
+            <a:prstGeom prst="rect">
+              <a:avLst/>
+            </a:prstGeom>
+          </p:spPr>
+        </p:pic>
+        <p:pic>
+          <p:nvPicPr>
+            <p:cNvPr id="25" name="圖片 24">
+              <a:extLst>
+                <a:ext uri="{FF2B5EF4-FFF2-40B4-BE49-F238E27FC236}">
+                  <a16:creationId xmlns:a16="http://schemas.microsoft.com/office/drawing/2014/main" id="{422EF47B-421B-4E97-B5D7-225F77B8DFE1}"/>
+                </a:ext>
+              </a:extLst>
+            </p:cNvPr>
+            <p:cNvPicPr>
+              <a:picLocks noChangeAspect="1"/>
+            </p:cNvPicPr>
+            <p:nvPr/>
+          </p:nvPicPr>
+          <p:blipFill>
+            <a:blip r:embed="rId3"/>
+            <a:stretch>
+              <a:fillRect/>
+            </a:stretch>
+          </p:blipFill>
+          <p:spPr>
+            <a:xfrm>
+              <a:off x="5700494" y="3287842"/>
+              <a:ext cx="541987" cy="449453"/>
+            </a:xfrm>
+            <a:prstGeom prst="rect">
+              <a:avLst/>
+            </a:prstGeom>
+          </p:spPr>
+        </p:pic>
+        <p:pic>
+          <p:nvPicPr>
+            <p:cNvPr id="26" name="圖片 25">
+              <a:extLst>
+                <a:ext uri="{FF2B5EF4-FFF2-40B4-BE49-F238E27FC236}">
+                  <a16:creationId xmlns:a16="http://schemas.microsoft.com/office/drawing/2014/main" id="{3BF16AF7-F506-4E56-96B1-66F4B08E2EB1}"/>
+                </a:ext>
+              </a:extLst>
+            </p:cNvPr>
+            <p:cNvPicPr>
+              <a:picLocks noChangeAspect="1"/>
+            </p:cNvPicPr>
+            <p:nvPr/>
+          </p:nvPicPr>
+          <p:blipFill>
+            <a:blip r:embed="rId3"/>
+            <a:stretch>
+              <a:fillRect/>
+            </a:stretch>
+          </p:blipFill>
+          <p:spPr>
+            <a:xfrm rot="10800000">
+              <a:off x="8017453" y="3290824"/>
+              <a:ext cx="541987" cy="449453"/>
+            </a:xfrm>
+            <a:prstGeom prst="rect">
+              <a:avLst/>
+            </a:prstGeom>
+          </p:spPr>
+        </p:pic>
+        <p:pic>
+          <p:nvPicPr>
+            <p:cNvPr id="27" name="圖片 26">
+              <a:extLst>
+                <a:ext uri="{FF2B5EF4-FFF2-40B4-BE49-F238E27FC236}">
+                  <a16:creationId xmlns:a16="http://schemas.microsoft.com/office/drawing/2014/main" id="{0E7B5300-6F73-4CF1-996E-39C9B6DE8779}"/>
+                </a:ext>
+              </a:extLst>
+            </p:cNvPr>
+            <p:cNvPicPr>
+              <a:picLocks noChangeAspect="1"/>
+            </p:cNvPicPr>
+            <p:nvPr/>
+          </p:nvPicPr>
+          <p:blipFill>
+            <a:blip r:embed="rId3"/>
+            <a:stretch>
+              <a:fillRect/>
+            </a:stretch>
+          </p:blipFill>
+          <p:spPr>
+            <a:xfrm rot="10800000">
+              <a:off x="7247137" y="3287081"/>
+              <a:ext cx="541987" cy="449453"/>
+            </a:xfrm>
+            <a:prstGeom prst="rect">
+              <a:avLst/>
+            </a:prstGeom>
+          </p:spPr>
+        </p:pic>
+        <p:pic>
+          <p:nvPicPr>
+            <p:cNvPr id="28" name="圖片 27">
+              <a:extLst>
+                <a:ext uri="{FF2B5EF4-FFF2-40B4-BE49-F238E27FC236}">
+                  <a16:creationId xmlns:a16="http://schemas.microsoft.com/office/drawing/2014/main" id="{1FBBE5EC-B1C9-4A42-9BF8-DD72D8BD2757}"/>
+                </a:ext>
+              </a:extLst>
+            </p:cNvPr>
+            <p:cNvPicPr>
+              <a:picLocks noChangeAspect="1"/>
+            </p:cNvPicPr>
+            <p:nvPr/>
+          </p:nvPicPr>
+          <p:blipFill>
+            <a:blip r:embed="rId3"/>
+            <a:stretch>
+              <a:fillRect/>
+            </a:stretch>
+          </p:blipFill>
+          <p:spPr>
+            <a:xfrm rot="10800000">
+              <a:off x="9543283" y="3281215"/>
+              <a:ext cx="541987" cy="449453"/>
+            </a:xfrm>
+            <a:prstGeom prst="rect">
+              <a:avLst/>
+            </a:prstGeom>
+          </p:spPr>
+        </p:pic>
+        <p:pic>
+          <p:nvPicPr>
+            <p:cNvPr id="29" name="圖片 28">
+              <a:extLst>
+                <a:ext uri="{FF2B5EF4-FFF2-40B4-BE49-F238E27FC236}">
+                  <a16:creationId xmlns:a16="http://schemas.microsoft.com/office/drawing/2014/main" id="{1A41A9E5-9149-4CD2-B1F0-AA65D507D2E6}"/>
+                </a:ext>
+              </a:extLst>
+            </p:cNvPr>
+            <p:cNvPicPr>
+              <a:picLocks noChangeAspect="1"/>
+            </p:cNvPicPr>
+            <p:nvPr/>
+          </p:nvPicPr>
+          <p:blipFill>
+            <a:blip r:embed="rId3"/>
+            <a:stretch>
+              <a:fillRect/>
+            </a:stretch>
+          </p:blipFill>
+          <p:spPr>
+            <a:xfrm>
+              <a:off x="8751883" y="3277377"/>
+              <a:ext cx="541987" cy="449453"/>
+            </a:xfrm>
+            <a:prstGeom prst="rect">
+              <a:avLst/>
+            </a:prstGeom>
+          </p:spPr>
+        </p:pic>
+      </p:grpSp>
+    </p:spTree>
+    <p:extLst>
+      <p:ext uri="{BB962C8B-B14F-4D97-AF65-F5344CB8AC3E}">
+        <p14:creationId xmlns:p14="http://schemas.microsoft.com/office/powerpoint/2010/main" val="2974599126"/>
+      </p:ext>
+    </p:extLst>
+  </p:cSld>
+  <p:clrMapOvr>
+    <a:masterClrMapping/>
+  </p:clrMapOvr>
+</p:sld>
+</file>
+
+<file path=ppt/slides/slide8.xml><?xml version="1.0" encoding="utf-8"?>
+<p:sld xmlns:a="http://schemas.openxmlformats.org/drawingml/2006/main" xmlns:r="http://schemas.openxmlformats.org/officeDocument/2006/relationships" xmlns:p="http://schemas.openxmlformats.org/presentationml/2006/main">
+  <p:cSld>
+    <p:spTree>
+      <p:nvGrpSpPr>
+        <p:cNvPr id="1" name=""/>
+        <p:cNvGrpSpPr/>
+        <p:nvPr/>
+      </p:nvGrpSpPr>
+      <p:grpSpPr>
+        <a:xfrm>
+          <a:off x="0" y="0"/>
+          <a:ext cx="0" cy="0"/>
+          <a:chOff x="0" y="0"/>
+          <a:chExt cx="0" cy="0"/>
+        </a:xfrm>
+      </p:grpSpPr>
+      <p:grpSp>
+        <p:nvGrpSpPr>
+          <p:cNvPr id="39" name="群組 38">
+            <a:extLst>
+              <a:ext uri="{FF2B5EF4-FFF2-40B4-BE49-F238E27FC236}">
+                <a16:creationId xmlns:a16="http://schemas.microsoft.com/office/drawing/2014/main" id="{433E2EBB-9CF6-4A0A-AEEE-438AC837995A}"/>
+              </a:ext>
+            </a:extLst>
+          </p:cNvPr>
+          <p:cNvGrpSpPr/>
+          <p:nvPr/>
+        </p:nvGrpSpPr>
+        <p:grpSpPr>
+          <a:xfrm>
+            <a:off x="2076450" y="644571"/>
+            <a:ext cx="8039100" cy="2279650"/>
+            <a:chOff x="2076450" y="644571"/>
+            <a:chExt cx="8039100" cy="2279650"/>
+          </a:xfrm>
+        </p:grpSpPr>
+        <p:pic>
+          <p:nvPicPr>
+            <p:cNvPr id="17" name="圖片 16">
+              <a:extLst>
+                <a:ext uri="{FF2B5EF4-FFF2-40B4-BE49-F238E27FC236}">
+                  <a16:creationId xmlns:a16="http://schemas.microsoft.com/office/drawing/2014/main" id="{C8E7198F-B143-4E6C-A96C-2659340C006C}"/>
+                </a:ext>
+              </a:extLst>
+            </p:cNvPr>
+            <p:cNvPicPr>
+              <a:picLocks noChangeAspect="1"/>
+            </p:cNvPicPr>
+            <p:nvPr/>
+          </p:nvPicPr>
+          <p:blipFill>
+            <a:blip r:embed="rId2"/>
+            <a:stretch>
+              <a:fillRect/>
+            </a:stretch>
+          </p:blipFill>
+          <p:spPr>
+            <a:xfrm>
+              <a:off x="2076450" y="644571"/>
+              <a:ext cx="8039100" cy="2279650"/>
+            </a:xfrm>
+            <a:prstGeom prst="rect">
+              <a:avLst/>
+            </a:prstGeom>
+          </p:spPr>
+        </p:pic>
+        <p:grpSp>
+          <p:nvGrpSpPr>
+            <p:cNvPr id="26" name="群組 25">
+              <a:extLst>
+                <a:ext uri="{FF2B5EF4-FFF2-40B4-BE49-F238E27FC236}">
+                  <a16:creationId xmlns:a16="http://schemas.microsoft.com/office/drawing/2014/main" id="{3237A640-0EFA-4938-A597-39C531870F75}"/>
+                </a:ext>
+              </a:extLst>
+            </p:cNvPr>
+            <p:cNvGrpSpPr/>
+            <p:nvPr/>
+          </p:nvGrpSpPr>
+          <p:grpSpPr>
+            <a:xfrm>
+              <a:off x="4045541" y="1552946"/>
+              <a:ext cx="5993123" cy="462900"/>
+              <a:chOff x="4157376" y="3277377"/>
+              <a:chExt cx="5927894" cy="462900"/>
+            </a:xfrm>
+          </p:grpSpPr>
+          <p:pic>
+            <p:nvPicPr>
+              <p:cNvPr id="18" name="圖片 17">
+                <a:extLst>
+                  <a:ext uri="{FF2B5EF4-FFF2-40B4-BE49-F238E27FC236}">
+                    <a16:creationId xmlns:a16="http://schemas.microsoft.com/office/drawing/2014/main" id="{31089734-FD8F-4D47-8722-A1705A326B97}"/>
+                  </a:ext>
+                </a:extLst>
+              </p:cNvPr>
+              <p:cNvPicPr>
+                <a:picLocks noChangeAspect="1"/>
+              </p:cNvPicPr>
+              <p:nvPr/>
+            </p:nvPicPr>
+            <p:blipFill>
+              <a:blip r:embed="rId3"/>
+              <a:stretch>
+                <a:fillRect/>
+              </a:stretch>
+            </p:blipFill>
+            <p:spPr>
+              <a:xfrm>
+                <a:off x="4923686" y="3287977"/>
+                <a:ext cx="541987" cy="449453"/>
+              </a:xfrm>
+              <a:prstGeom prst="rect">
+                <a:avLst/>
+              </a:prstGeom>
+            </p:spPr>
+          </p:pic>
+          <p:pic>
+            <p:nvPicPr>
+              <p:cNvPr id="19" name="圖片 18">
+                <a:extLst>
+                  <a:ext uri="{FF2B5EF4-FFF2-40B4-BE49-F238E27FC236}">
+                    <a16:creationId xmlns:a16="http://schemas.microsoft.com/office/drawing/2014/main" id="{8134C9E5-94EB-4E91-A488-F21B7B2899D5}"/>
+                  </a:ext>
+                </a:extLst>
+              </p:cNvPr>
+              <p:cNvPicPr>
+                <a:picLocks noChangeAspect="1"/>
+              </p:cNvPicPr>
+              <p:nvPr/>
+            </p:nvPicPr>
+            <p:blipFill>
+              <a:blip r:embed="rId3"/>
+              <a:stretch>
+                <a:fillRect/>
+              </a:stretch>
+            </p:blipFill>
+            <p:spPr>
+              <a:xfrm>
+                <a:off x="4157376" y="3281216"/>
+                <a:ext cx="541987" cy="449453"/>
+              </a:xfrm>
+              <a:prstGeom prst="rect">
+                <a:avLst/>
+              </a:prstGeom>
+            </p:spPr>
+          </p:pic>
+          <p:pic>
+            <p:nvPicPr>
+              <p:cNvPr id="20" name="圖片 19">
+                <a:extLst>
+                  <a:ext uri="{FF2B5EF4-FFF2-40B4-BE49-F238E27FC236}">
+                    <a16:creationId xmlns:a16="http://schemas.microsoft.com/office/drawing/2014/main" id="{AC3CFE48-B478-4BF0-B75B-C741F45B3EC2}"/>
+                  </a:ext>
+                </a:extLst>
+              </p:cNvPr>
+              <p:cNvPicPr>
+                <a:picLocks noChangeAspect="1"/>
+              </p:cNvPicPr>
+              <p:nvPr/>
+            </p:nvPicPr>
+            <p:blipFill>
+              <a:blip r:embed="rId3"/>
+              <a:stretch>
+                <a:fillRect/>
+              </a:stretch>
+            </p:blipFill>
+            <p:spPr>
+              <a:xfrm>
+                <a:off x="6458663" y="3290728"/>
+                <a:ext cx="541987" cy="449453"/>
+              </a:xfrm>
+              <a:prstGeom prst="rect">
+                <a:avLst/>
+              </a:prstGeom>
+            </p:spPr>
+          </p:pic>
+          <p:pic>
+            <p:nvPicPr>
+              <p:cNvPr id="21" name="圖片 20">
+                <a:extLst>
+                  <a:ext uri="{FF2B5EF4-FFF2-40B4-BE49-F238E27FC236}">
+                    <a16:creationId xmlns:a16="http://schemas.microsoft.com/office/drawing/2014/main" id="{8920630E-E407-4338-A162-4359581EAF40}"/>
+                  </a:ext>
+                </a:extLst>
+              </p:cNvPr>
+              <p:cNvPicPr>
+                <a:picLocks noChangeAspect="1"/>
+              </p:cNvPicPr>
+              <p:nvPr/>
+            </p:nvPicPr>
+            <p:blipFill>
+              <a:blip r:embed="rId3"/>
+              <a:stretch>
+                <a:fillRect/>
+              </a:stretch>
+            </p:blipFill>
+            <p:spPr>
+              <a:xfrm>
+                <a:off x="5700494" y="3287842"/>
+                <a:ext cx="541987" cy="449453"/>
+              </a:xfrm>
+              <a:prstGeom prst="rect">
+                <a:avLst/>
+              </a:prstGeom>
+            </p:spPr>
+          </p:pic>
+          <p:pic>
+            <p:nvPicPr>
+              <p:cNvPr id="22" name="圖片 21">
+                <a:extLst>
+                  <a:ext uri="{FF2B5EF4-FFF2-40B4-BE49-F238E27FC236}">
+                    <a16:creationId xmlns:a16="http://schemas.microsoft.com/office/drawing/2014/main" id="{18B86701-8370-4559-844F-1B4C8B354573}"/>
+                  </a:ext>
+                </a:extLst>
+              </p:cNvPr>
+              <p:cNvPicPr>
+                <a:picLocks noChangeAspect="1"/>
+              </p:cNvPicPr>
+              <p:nvPr/>
+            </p:nvPicPr>
+            <p:blipFill>
+              <a:blip r:embed="rId3"/>
+              <a:stretch>
+                <a:fillRect/>
+              </a:stretch>
+            </p:blipFill>
+            <p:spPr>
+              <a:xfrm rot="10800000">
+                <a:off x="8017453" y="3290824"/>
+                <a:ext cx="541987" cy="449453"/>
+              </a:xfrm>
+              <a:prstGeom prst="rect">
+                <a:avLst/>
+              </a:prstGeom>
+            </p:spPr>
+          </p:pic>
+          <p:pic>
+            <p:nvPicPr>
+              <p:cNvPr id="23" name="圖片 22">
+                <a:extLst>
+                  <a:ext uri="{FF2B5EF4-FFF2-40B4-BE49-F238E27FC236}">
+                    <a16:creationId xmlns:a16="http://schemas.microsoft.com/office/drawing/2014/main" id="{1B8966D9-3221-4249-81D1-BD92DC1B3EAB}"/>
+                  </a:ext>
+                </a:extLst>
+              </p:cNvPr>
+              <p:cNvPicPr>
+                <a:picLocks noChangeAspect="1"/>
+              </p:cNvPicPr>
+              <p:nvPr/>
+            </p:nvPicPr>
+            <p:blipFill>
+              <a:blip r:embed="rId3"/>
+              <a:stretch>
+                <a:fillRect/>
+              </a:stretch>
+            </p:blipFill>
+            <p:spPr>
+              <a:xfrm rot="10800000">
+                <a:off x="7247137" y="3287081"/>
+                <a:ext cx="541987" cy="449453"/>
+              </a:xfrm>
+              <a:prstGeom prst="rect">
+                <a:avLst/>
+              </a:prstGeom>
+            </p:spPr>
+          </p:pic>
+          <p:pic>
+            <p:nvPicPr>
+              <p:cNvPr id="24" name="圖片 23">
+                <a:extLst>
+                  <a:ext uri="{FF2B5EF4-FFF2-40B4-BE49-F238E27FC236}">
+                    <a16:creationId xmlns:a16="http://schemas.microsoft.com/office/drawing/2014/main" id="{94DAEA90-0FFB-4F83-B236-261CDD31974E}"/>
+                  </a:ext>
+                </a:extLst>
+              </p:cNvPr>
+              <p:cNvPicPr>
+                <a:picLocks noChangeAspect="1"/>
+              </p:cNvPicPr>
+              <p:nvPr/>
+            </p:nvPicPr>
+            <p:blipFill>
+              <a:blip r:embed="rId3"/>
+              <a:stretch>
+                <a:fillRect/>
+              </a:stretch>
+            </p:blipFill>
+            <p:spPr>
+              <a:xfrm rot="10800000">
+                <a:off x="9543283" y="3281215"/>
+                <a:ext cx="541987" cy="449453"/>
+              </a:xfrm>
+              <a:prstGeom prst="rect">
+                <a:avLst/>
+              </a:prstGeom>
+            </p:spPr>
+          </p:pic>
+          <p:pic>
+            <p:nvPicPr>
+              <p:cNvPr id="25" name="圖片 24">
+                <a:extLst>
+                  <a:ext uri="{FF2B5EF4-FFF2-40B4-BE49-F238E27FC236}">
+                    <a16:creationId xmlns:a16="http://schemas.microsoft.com/office/drawing/2014/main" id="{331B1CD8-212E-4724-9955-DC5DC8624CEF}"/>
+                  </a:ext>
+                </a:extLst>
+              </p:cNvPr>
+              <p:cNvPicPr>
+                <a:picLocks noChangeAspect="1"/>
+              </p:cNvPicPr>
+              <p:nvPr/>
+            </p:nvPicPr>
+            <p:blipFill>
+              <a:blip r:embed="rId3"/>
+              <a:stretch>
+                <a:fillRect/>
+              </a:stretch>
+            </p:blipFill>
+            <p:spPr>
+              <a:xfrm>
+                <a:off x="8751883" y="3277377"/>
+                <a:ext cx="541987" cy="449453"/>
+              </a:xfrm>
+              <a:prstGeom prst="rect">
+                <a:avLst/>
+              </a:prstGeom>
+            </p:spPr>
+          </p:pic>
+        </p:grpSp>
+      </p:grpSp>
+      <p:grpSp>
+        <p:nvGrpSpPr>
+          <p:cNvPr id="30" name="群組 29">
+            <a:extLst>
+              <a:ext uri="{FF2B5EF4-FFF2-40B4-BE49-F238E27FC236}">
+                <a16:creationId xmlns:a16="http://schemas.microsoft.com/office/drawing/2014/main" id="{8375EA5E-CFB7-4557-91F7-A992B3C7614A}"/>
+              </a:ext>
+            </a:extLst>
+          </p:cNvPr>
+          <p:cNvGrpSpPr/>
+          <p:nvPr/>
+        </p:nvGrpSpPr>
+        <p:grpSpPr>
+          <a:xfrm>
+            <a:off x="3157028" y="3197550"/>
+            <a:ext cx="5993123" cy="462900"/>
+            <a:chOff x="4157376" y="3277377"/>
+            <a:chExt cx="5927894" cy="462900"/>
+          </a:xfrm>
+        </p:grpSpPr>
+        <p:pic>
+          <p:nvPicPr>
+            <p:cNvPr id="31" name="圖片 30">
+              <a:extLst>
+                <a:ext uri="{FF2B5EF4-FFF2-40B4-BE49-F238E27FC236}">
+                  <a16:creationId xmlns:a16="http://schemas.microsoft.com/office/drawing/2014/main" id="{EA897792-F34D-4BD6-9BCC-68FA7FAECFD4}"/>
+                </a:ext>
+              </a:extLst>
+            </p:cNvPr>
+            <p:cNvPicPr>
+              <a:picLocks noChangeAspect="1"/>
+            </p:cNvPicPr>
+            <p:nvPr/>
+          </p:nvPicPr>
+          <p:blipFill>
+            <a:blip r:embed="rId3"/>
+            <a:stretch>
+              <a:fillRect/>
+            </a:stretch>
+          </p:blipFill>
+          <p:spPr>
+            <a:xfrm>
+              <a:off x="4923686" y="3287977"/>
+              <a:ext cx="541987" cy="449453"/>
+            </a:xfrm>
+            <a:prstGeom prst="rect">
+              <a:avLst/>
+            </a:prstGeom>
+          </p:spPr>
+        </p:pic>
+        <p:pic>
+          <p:nvPicPr>
+            <p:cNvPr id="32" name="圖片 31">
+              <a:extLst>
+                <a:ext uri="{FF2B5EF4-FFF2-40B4-BE49-F238E27FC236}">
+                  <a16:creationId xmlns:a16="http://schemas.microsoft.com/office/drawing/2014/main" id="{2C360D05-2D84-405A-BD8A-8B9EA3BDFAC5}"/>
+                </a:ext>
+              </a:extLst>
+            </p:cNvPr>
+            <p:cNvPicPr>
+              <a:picLocks noChangeAspect="1"/>
+            </p:cNvPicPr>
+            <p:nvPr/>
+          </p:nvPicPr>
+          <p:blipFill>
+            <a:blip r:embed="rId3"/>
+            <a:stretch>
+              <a:fillRect/>
+            </a:stretch>
+          </p:blipFill>
+          <p:spPr>
+            <a:xfrm>
+              <a:off x="4157376" y="3281216"/>
+              <a:ext cx="541987" cy="449453"/>
+            </a:xfrm>
+            <a:prstGeom prst="rect">
+              <a:avLst/>
+            </a:prstGeom>
+          </p:spPr>
+        </p:pic>
+        <p:pic>
+          <p:nvPicPr>
+            <p:cNvPr id="33" name="圖片 32">
+              <a:extLst>
+                <a:ext uri="{FF2B5EF4-FFF2-40B4-BE49-F238E27FC236}">
+                  <a16:creationId xmlns:a16="http://schemas.microsoft.com/office/drawing/2014/main" id="{F11A925A-A48E-4DA6-A4EF-ED459C4250E1}"/>
+                </a:ext>
+              </a:extLst>
+            </p:cNvPr>
+            <p:cNvPicPr>
+              <a:picLocks noChangeAspect="1"/>
+            </p:cNvPicPr>
+            <p:nvPr/>
+          </p:nvPicPr>
+          <p:blipFill>
+            <a:blip r:embed="rId3"/>
+            <a:stretch>
+              <a:fillRect/>
+            </a:stretch>
+          </p:blipFill>
+          <p:spPr>
+            <a:xfrm>
+              <a:off x="6458663" y="3290728"/>
+              <a:ext cx="541987" cy="449453"/>
+            </a:xfrm>
+            <a:prstGeom prst="rect">
+              <a:avLst/>
+            </a:prstGeom>
+          </p:spPr>
+        </p:pic>
+        <p:pic>
+          <p:nvPicPr>
+            <p:cNvPr id="34" name="圖片 33">
+              <a:extLst>
+                <a:ext uri="{FF2B5EF4-FFF2-40B4-BE49-F238E27FC236}">
+                  <a16:creationId xmlns:a16="http://schemas.microsoft.com/office/drawing/2014/main" id="{04A4E289-2AFE-4BE7-B6C7-7A73617F4CA7}"/>
+                </a:ext>
+              </a:extLst>
+            </p:cNvPr>
+            <p:cNvPicPr>
+              <a:picLocks noChangeAspect="1"/>
+            </p:cNvPicPr>
+            <p:nvPr/>
+          </p:nvPicPr>
+          <p:blipFill>
+            <a:blip r:embed="rId3"/>
+            <a:stretch>
+              <a:fillRect/>
+            </a:stretch>
+          </p:blipFill>
+          <p:spPr>
+            <a:xfrm>
+              <a:off x="5700494" y="3287842"/>
+              <a:ext cx="541987" cy="449453"/>
+            </a:xfrm>
+            <a:prstGeom prst="rect">
+              <a:avLst/>
+            </a:prstGeom>
+          </p:spPr>
+        </p:pic>
+        <p:pic>
+          <p:nvPicPr>
+            <p:cNvPr id="35" name="圖片 34">
+              <a:extLst>
+                <a:ext uri="{FF2B5EF4-FFF2-40B4-BE49-F238E27FC236}">
+                  <a16:creationId xmlns:a16="http://schemas.microsoft.com/office/drawing/2014/main" id="{8B5B0408-EBC9-4B43-869C-7E45308363CC}"/>
+                </a:ext>
+              </a:extLst>
+            </p:cNvPr>
+            <p:cNvPicPr>
+              <a:picLocks noChangeAspect="1"/>
+            </p:cNvPicPr>
+            <p:nvPr/>
+          </p:nvPicPr>
+          <p:blipFill>
+            <a:blip r:embed="rId3"/>
+            <a:stretch>
+              <a:fillRect/>
+            </a:stretch>
+          </p:blipFill>
+          <p:spPr>
+            <a:xfrm rot="10800000">
+              <a:off x="8017453" y="3290824"/>
+              <a:ext cx="541987" cy="449453"/>
+            </a:xfrm>
+            <a:prstGeom prst="rect">
+              <a:avLst/>
+            </a:prstGeom>
+          </p:spPr>
+        </p:pic>
+        <p:pic>
+          <p:nvPicPr>
+            <p:cNvPr id="36" name="圖片 35">
+              <a:extLst>
+                <a:ext uri="{FF2B5EF4-FFF2-40B4-BE49-F238E27FC236}">
+                  <a16:creationId xmlns:a16="http://schemas.microsoft.com/office/drawing/2014/main" id="{0410E3E2-E255-4B77-8D1A-88CA8AB3D727}"/>
+                </a:ext>
+              </a:extLst>
+            </p:cNvPr>
+            <p:cNvPicPr>
+              <a:picLocks noChangeAspect="1"/>
+            </p:cNvPicPr>
+            <p:nvPr/>
+          </p:nvPicPr>
+          <p:blipFill>
+            <a:blip r:embed="rId3"/>
+            <a:stretch>
+              <a:fillRect/>
+            </a:stretch>
+          </p:blipFill>
+          <p:spPr>
+            <a:xfrm rot="10800000">
+              <a:off x="7247137" y="3287081"/>
+              <a:ext cx="541987" cy="449453"/>
+            </a:xfrm>
+            <a:prstGeom prst="rect">
+              <a:avLst/>
+            </a:prstGeom>
+          </p:spPr>
+        </p:pic>
+        <p:pic>
+          <p:nvPicPr>
+            <p:cNvPr id="37" name="圖片 36">
+              <a:extLst>
+                <a:ext uri="{FF2B5EF4-FFF2-40B4-BE49-F238E27FC236}">
+                  <a16:creationId xmlns:a16="http://schemas.microsoft.com/office/drawing/2014/main" id="{3C498251-0E69-4504-95DA-7AEC22B1B465}"/>
+                </a:ext>
+              </a:extLst>
+            </p:cNvPr>
+            <p:cNvPicPr>
+              <a:picLocks noChangeAspect="1"/>
+            </p:cNvPicPr>
+            <p:nvPr/>
+          </p:nvPicPr>
+          <p:blipFill>
+            <a:blip r:embed="rId3"/>
+            <a:stretch>
+              <a:fillRect/>
+            </a:stretch>
+          </p:blipFill>
+          <p:spPr>
+            <a:xfrm rot="10800000">
+              <a:off x="9543283" y="3281215"/>
+              <a:ext cx="541987" cy="449453"/>
+            </a:xfrm>
+            <a:prstGeom prst="rect">
+              <a:avLst/>
+            </a:prstGeom>
+          </p:spPr>
+        </p:pic>
+        <p:pic>
+          <p:nvPicPr>
+            <p:cNvPr id="38" name="圖片 37">
+              <a:extLst>
+                <a:ext uri="{FF2B5EF4-FFF2-40B4-BE49-F238E27FC236}">
+                  <a16:creationId xmlns:a16="http://schemas.microsoft.com/office/drawing/2014/main" id="{4E844C3E-3951-4491-AE5C-0F5621B14F74}"/>
+                </a:ext>
+              </a:extLst>
+            </p:cNvPr>
+            <p:cNvPicPr>
+              <a:picLocks noChangeAspect="1"/>
+            </p:cNvPicPr>
+            <p:nvPr/>
+          </p:nvPicPr>
+          <p:blipFill>
+            <a:blip r:embed="rId3"/>
+            <a:stretch>
+              <a:fillRect/>
+            </a:stretch>
+          </p:blipFill>
+          <p:spPr>
+            <a:xfrm>
+              <a:off x="8751883" y="3277377"/>
+              <a:ext cx="541987" cy="449453"/>
+            </a:xfrm>
+            <a:prstGeom prst="rect">
+              <a:avLst/>
+            </a:prstGeom>
+          </p:spPr>
+        </p:pic>
+      </p:grpSp>
+      <p:grpSp>
+        <p:nvGrpSpPr>
+          <p:cNvPr id="49" name="群組 48">
+            <a:extLst>
+              <a:ext uri="{FF2B5EF4-FFF2-40B4-BE49-F238E27FC236}">
+                <a16:creationId xmlns:a16="http://schemas.microsoft.com/office/drawing/2014/main" id="{3F5ADE3A-EE44-48E5-9CA0-564D8763A1C6}"/>
+              </a:ext>
+            </a:extLst>
+          </p:cNvPr>
+          <p:cNvGrpSpPr/>
+          <p:nvPr/>
+        </p:nvGrpSpPr>
+        <p:grpSpPr>
+          <a:xfrm>
+            <a:off x="2076450" y="3842300"/>
+            <a:ext cx="8039100" cy="2279650"/>
+            <a:chOff x="2076450" y="3842300"/>
+            <a:chExt cx="8039100" cy="2279650"/>
+          </a:xfrm>
+        </p:grpSpPr>
+        <p:pic>
+          <p:nvPicPr>
+            <p:cNvPr id="29" name="圖片 28">
+              <a:extLst>
+                <a:ext uri="{FF2B5EF4-FFF2-40B4-BE49-F238E27FC236}">
+                  <a16:creationId xmlns:a16="http://schemas.microsoft.com/office/drawing/2014/main" id="{11E7E1A1-579F-41A4-B8A2-289AA4E4C89D}"/>
+                </a:ext>
+              </a:extLst>
+            </p:cNvPr>
+            <p:cNvPicPr>
+              <a:picLocks noChangeAspect="1"/>
+            </p:cNvPicPr>
+            <p:nvPr/>
+          </p:nvPicPr>
+          <p:blipFill>
+            <a:blip r:embed="rId4"/>
+            <a:stretch>
+              <a:fillRect/>
+            </a:stretch>
+          </p:blipFill>
+          <p:spPr>
+            <a:xfrm>
+              <a:off x="2076450" y="3842300"/>
+              <a:ext cx="8039100" cy="2279650"/>
+            </a:xfrm>
+            <a:prstGeom prst="rect">
+              <a:avLst/>
+            </a:prstGeom>
+          </p:spPr>
+        </p:pic>
+        <p:grpSp>
+          <p:nvGrpSpPr>
+            <p:cNvPr id="40" name="群組 39">
+              <a:extLst>
+                <a:ext uri="{FF2B5EF4-FFF2-40B4-BE49-F238E27FC236}">
+                  <a16:creationId xmlns:a16="http://schemas.microsoft.com/office/drawing/2014/main" id="{B4C54883-6249-4366-B065-D622EDEC7A42}"/>
+                </a:ext>
+              </a:extLst>
+            </p:cNvPr>
+            <p:cNvGrpSpPr/>
+            <p:nvPr/>
+          </p:nvGrpSpPr>
+          <p:grpSpPr>
+            <a:xfrm>
+              <a:off x="2609077" y="4750675"/>
+              <a:ext cx="5993123" cy="462900"/>
+              <a:chOff x="4157376" y="3277377"/>
+              <a:chExt cx="5927894" cy="462900"/>
+            </a:xfrm>
+          </p:grpSpPr>
+          <p:pic>
+            <p:nvPicPr>
+              <p:cNvPr id="41" name="圖片 40">
+                <a:extLst>
+                  <a:ext uri="{FF2B5EF4-FFF2-40B4-BE49-F238E27FC236}">
+                    <a16:creationId xmlns:a16="http://schemas.microsoft.com/office/drawing/2014/main" id="{55D7A0B4-0A3F-40FE-9E36-20EE4F077E2C}"/>
+                  </a:ext>
+                </a:extLst>
+              </p:cNvPr>
+              <p:cNvPicPr>
+                <a:picLocks noChangeAspect="1"/>
+              </p:cNvPicPr>
+              <p:nvPr/>
+            </p:nvPicPr>
+            <p:blipFill>
+              <a:blip r:embed="rId3"/>
+              <a:stretch>
+                <a:fillRect/>
+              </a:stretch>
+            </p:blipFill>
+            <p:spPr>
+              <a:xfrm>
+                <a:off x="4923686" y="3287977"/>
+                <a:ext cx="541987" cy="449453"/>
+              </a:xfrm>
+              <a:prstGeom prst="rect">
+                <a:avLst/>
+              </a:prstGeom>
+            </p:spPr>
+          </p:pic>
+          <p:pic>
+            <p:nvPicPr>
+              <p:cNvPr id="42" name="圖片 41">
+                <a:extLst>
+                  <a:ext uri="{FF2B5EF4-FFF2-40B4-BE49-F238E27FC236}">
+                    <a16:creationId xmlns:a16="http://schemas.microsoft.com/office/drawing/2014/main" id="{D2D967AB-1C52-4D9A-928D-1E540E1178D6}"/>
+                  </a:ext>
+                </a:extLst>
+              </p:cNvPr>
+              <p:cNvPicPr>
+                <a:picLocks noChangeAspect="1"/>
+              </p:cNvPicPr>
+              <p:nvPr/>
+            </p:nvPicPr>
+            <p:blipFill>
+              <a:blip r:embed="rId3"/>
+              <a:stretch>
+                <a:fillRect/>
+              </a:stretch>
+            </p:blipFill>
+            <p:spPr>
+              <a:xfrm>
+                <a:off x="4157376" y="3281216"/>
+                <a:ext cx="541987" cy="449453"/>
+              </a:xfrm>
+              <a:prstGeom prst="rect">
+                <a:avLst/>
+              </a:prstGeom>
+            </p:spPr>
+          </p:pic>
+          <p:pic>
+            <p:nvPicPr>
+              <p:cNvPr id="43" name="圖片 42">
+                <a:extLst>
+                  <a:ext uri="{FF2B5EF4-FFF2-40B4-BE49-F238E27FC236}">
+                    <a16:creationId xmlns:a16="http://schemas.microsoft.com/office/drawing/2014/main" id="{A7BDCA23-FCCA-4ED5-8E10-50CE37BEA4FA}"/>
+                  </a:ext>
+                </a:extLst>
+              </p:cNvPr>
+              <p:cNvPicPr>
+                <a:picLocks noChangeAspect="1"/>
+              </p:cNvPicPr>
+              <p:nvPr/>
+            </p:nvPicPr>
+            <p:blipFill>
+              <a:blip r:embed="rId3"/>
+              <a:stretch>
+                <a:fillRect/>
+              </a:stretch>
+            </p:blipFill>
+            <p:spPr>
+              <a:xfrm>
+                <a:off x="6458663" y="3290728"/>
+                <a:ext cx="541987" cy="449453"/>
+              </a:xfrm>
+              <a:prstGeom prst="rect">
+                <a:avLst/>
+              </a:prstGeom>
+            </p:spPr>
+          </p:pic>
+          <p:pic>
+            <p:nvPicPr>
+              <p:cNvPr id="44" name="圖片 43">
+                <a:extLst>
+                  <a:ext uri="{FF2B5EF4-FFF2-40B4-BE49-F238E27FC236}">
+                    <a16:creationId xmlns:a16="http://schemas.microsoft.com/office/drawing/2014/main" id="{7A0CE343-8565-4CD2-A1F5-5EAD249DCAAD}"/>
+                  </a:ext>
+                </a:extLst>
+              </p:cNvPr>
+              <p:cNvPicPr>
+                <a:picLocks noChangeAspect="1"/>
+              </p:cNvPicPr>
+              <p:nvPr/>
+            </p:nvPicPr>
+            <p:blipFill>
+              <a:blip r:embed="rId3"/>
+              <a:stretch>
+                <a:fillRect/>
+              </a:stretch>
+            </p:blipFill>
+            <p:spPr>
+              <a:xfrm>
+                <a:off x="5700494" y="3287842"/>
+                <a:ext cx="541987" cy="449453"/>
+              </a:xfrm>
+              <a:prstGeom prst="rect">
+                <a:avLst/>
+              </a:prstGeom>
+            </p:spPr>
+          </p:pic>
+          <p:pic>
+            <p:nvPicPr>
+              <p:cNvPr id="45" name="圖片 44">
+                <a:extLst>
+                  <a:ext uri="{FF2B5EF4-FFF2-40B4-BE49-F238E27FC236}">
+                    <a16:creationId xmlns:a16="http://schemas.microsoft.com/office/drawing/2014/main" id="{50A1F773-BEC2-4AF1-BD3F-6B6AE4E01648}"/>
+                  </a:ext>
+                </a:extLst>
+              </p:cNvPr>
+              <p:cNvPicPr>
+                <a:picLocks noChangeAspect="1"/>
+              </p:cNvPicPr>
+              <p:nvPr/>
+            </p:nvPicPr>
+            <p:blipFill>
+              <a:blip r:embed="rId3"/>
+              <a:stretch>
+                <a:fillRect/>
+              </a:stretch>
+            </p:blipFill>
+            <p:spPr>
+              <a:xfrm rot="10800000">
+                <a:off x="8017453" y="3290824"/>
+                <a:ext cx="541987" cy="449453"/>
+              </a:xfrm>
+              <a:prstGeom prst="rect">
+                <a:avLst/>
+              </a:prstGeom>
+            </p:spPr>
+          </p:pic>
+          <p:pic>
+            <p:nvPicPr>
+              <p:cNvPr id="46" name="圖片 45">
+                <a:extLst>
+                  <a:ext uri="{FF2B5EF4-FFF2-40B4-BE49-F238E27FC236}">
+                    <a16:creationId xmlns:a16="http://schemas.microsoft.com/office/drawing/2014/main" id="{F7E93962-E68A-4DA9-87F7-2985D207FB05}"/>
+                  </a:ext>
+                </a:extLst>
+              </p:cNvPr>
+              <p:cNvPicPr>
+                <a:picLocks noChangeAspect="1"/>
+              </p:cNvPicPr>
+              <p:nvPr/>
+            </p:nvPicPr>
+            <p:blipFill>
+              <a:blip r:embed="rId3"/>
+              <a:stretch>
+                <a:fillRect/>
+              </a:stretch>
+            </p:blipFill>
+            <p:spPr>
+              <a:xfrm rot="10800000">
+                <a:off x="7247137" y="3287081"/>
+                <a:ext cx="541987" cy="449453"/>
+              </a:xfrm>
+              <a:prstGeom prst="rect">
+                <a:avLst/>
+              </a:prstGeom>
+            </p:spPr>
+          </p:pic>
+          <p:pic>
+            <p:nvPicPr>
+              <p:cNvPr id="47" name="圖片 46">
+                <a:extLst>
+                  <a:ext uri="{FF2B5EF4-FFF2-40B4-BE49-F238E27FC236}">
+                    <a16:creationId xmlns:a16="http://schemas.microsoft.com/office/drawing/2014/main" id="{361E92F6-F09D-4D9A-B48A-DBFC516CEDBA}"/>
+                  </a:ext>
+                </a:extLst>
+              </p:cNvPr>
+              <p:cNvPicPr>
+                <a:picLocks noChangeAspect="1"/>
+              </p:cNvPicPr>
+              <p:nvPr/>
+            </p:nvPicPr>
+            <p:blipFill>
+              <a:blip r:embed="rId3"/>
+              <a:stretch>
+                <a:fillRect/>
+              </a:stretch>
+            </p:blipFill>
+            <p:spPr>
+              <a:xfrm rot="10800000">
+                <a:off x="9543283" y="3281215"/>
+                <a:ext cx="541987" cy="449453"/>
+              </a:xfrm>
+              <a:prstGeom prst="rect">
+                <a:avLst/>
+              </a:prstGeom>
+            </p:spPr>
+          </p:pic>
+          <p:pic>
+            <p:nvPicPr>
+              <p:cNvPr id="48" name="圖片 47">
+                <a:extLst>
+                  <a:ext uri="{FF2B5EF4-FFF2-40B4-BE49-F238E27FC236}">
+                    <a16:creationId xmlns:a16="http://schemas.microsoft.com/office/drawing/2014/main" id="{518818FE-D03B-484D-8D85-F350910A423C}"/>
+                  </a:ext>
+                </a:extLst>
+              </p:cNvPr>
+              <p:cNvPicPr>
+                <a:picLocks noChangeAspect="1"/>
+              </p:cNvPicPr>
+              <p:nvPr/>
+            </p:nvPicPr>
+            <p:blipFill>
+              <a:blip r:embed="rId3"/>
+              <a:stretch>
+                <a:fillRect/>
+              </a:stretch>
+            </p:blipFill>
+            <p:spPr>
+              <a:xfrm>
+                <a:off x="8751883" y="3277377"/>
+                <a:ext cx="541987" cy="449453"/>
+              </a:xfrm>
+              <a:prstGeom prst="rect">
+                <a:avLst/>
+              </a:prstGeom>
+            </p:spPr>
+          </p:pic>
+        </p:grpSp>
+      </p:grpSp>
+    </p:spTree>
+    <p:extLst>
+      <p:ext uri="{BB962C8B-B14F-4D97-AF65-F5344CB8AC3E}">
+        <p14:creationId xmlns:p14="http://schemas.microsoft.com/office/powerpoint/2010/main" val="1170323454"/>
+      </p:ext>
+    </p:extLst>
+  </p:cSld>
+  <p:clrMapOvr>
+    <a:masterClrMapping/>
+  </p:clrMapOvr>
+</p:sld>
+</file>
+
+<file path=ppt/slides/slide9.xml><?xml version="1.0" encoding="utf-8"?>
+<p:sld xmlns:a="http://schemas.openxmlformats.org/drawingml/2006/main" xmlns:r="http://schemas.openxmlformats.org/officeDocument/2006/relationships" xmlns:p="http://schemas.openxmlformats.org/presentationml/2006/main">
+  <p:cSld>
+    <p:spTree>
+      <p:nvGrpSpPr>
+        <p:cNvPr id="1" name=""/>
+        <p:cNvGrpSpPr/>
+        <p:nvPr/>
+      </p:nvGrpSpPr>
+      <p:grpSpPr>
+        <a:xfrm>
+          <a:off x="0" y="0"/>
+          <a:ext cx="0" cy="0"/>
+          <a:chOff x="0" y="0"/>
+          <a:chExt cx="0" cy="0"/>
+        </a:xfrm>
+      </p:grpSpPr>
+      <p:pic>
+        <p:nvPicPr>
+          <p:cNvPr id="3" name="圖片 2">
+            <a:extLst>
+              <a:ext uri="{FF2B5EF4-FFF2-40B4-BE49-F238E27FC236}">
+                <a16:creationId xmlns:a16="http://schemas.microsoft.com/office/drawing/2014/main" id="{10A664DC-6113-43D6-BCA0-1A713FC64B50}"/>
+              </a:ext>
+            </a:extLst>
+          </p:cNvPr>
+          <p:cNvPicPr>
+            <a:picLocks noChangeAspect="1"/>
+          </p:cNvPicPr>
+          <p:nvPr/>
+        </p:nvPicPr>
+        <p:blipFill>
+          <a:blip r:embed="rId2"/>
+          <a:stretch>
+            <a:fillRect/>
+          </a:stretch>
+        </p:blipFill>
+        <p:spPr>
+          <a:xfrm>
+            <a:off x="2216150" y="2193925"/>
+            <a:ext cx="7759700" cy="2470150"/>
+          </a:xfrm>
+          <a:prstGeom prst="rect">
+            <a:avLst/>
+          </a:prstGeom>
+        </p:spPr>
+      </p:pic>
+    </p:spTree>
+    <p:extLst>
+      <p:ext uri="{BB962C8B-B14F-4D97-AF65-F5344CB8AC3E}">
+        <p14:creationId xmlns:p14="http://schemas.microsoft.com/office/powerpoint/2010/main" val="3072857277"/>
       </p:ext>
     </p:extLst>
   </p:cSld>
